--- a/ProjectArchitecture.pptx
+++ b/ProjectArchitecture.pptx
@@ -10,6 +10,10 @@
     <p:sldId id="258" r:id="rId4"/>
     <p:sldId id="259" r:id="rId5"/>
     <p:sldId id="260" r:id="rId6"/>
+    <p:sldId id="263" r:id="rId7"/>
+    <p:sldId id="264" r:id="rId8"/>
+    <p:sldId id="261" r:id="rId9"/>
+    <p:sldId id="262" r:id="rId10"/>
   </p:sldIdLst>
   <p:sldSz cx="12192000" cy="6858000"/>
   <p:notesSz cx="6858000" cy="9144000"/>
@@ -3421,7 +3425,7 @@
       </p:grpSpPr>
       <p:sp>
         <p:nvSpPr>
-          <p:cNvPr id="12" name="Rectangle 11">
+          <p:cNvPr id="25" name="Rectangle 24">
             <a:extLst>
               <a:ext uri="{FF2B5EF4-FFF2-40B4-BE49-F238E27FC236}">
                 <a16:creationId xmlns:a16="http://schemas.microsoft.com/office/drawing/2014/main" id="{2B566528-1B12-4246-9431-5C2D7D081168}"/>
@@ -3541,46 +3545,44 @@
         </p:spPr>
         <p:txBody>
           <a:bodyPr>
-            <a:normAutofit fontScale="92500" lnSpcReduction="20000"/>
+            <a:normAutofit lnSpcReduction="10000"/>
           </a:bodyPr>
           <a:lstStyle/>
           <a:p>
             <a:r>
-              <a:rPr lang="en-US" sz="2000" dirty="0"/>
+              <a:rPr lang="en-US" sz="1700" dirty="0"/>
               <a:t>The MATLAB portion was broken down into 2 parts, the primary script and the 2 functions used to calculate the average vectors of each dataset of images.</a:t>
             </a:r>
           </a:p>
           <a:p>
             <a:r>
-              <a:rPr lang="en-US" sz="2000" dirty="0"/>
-              <a:t>The primary code first took the </a:t>
-            </a:r>
-            <a:r>
-              <a:rPr lang="en-US" sz="2000" dirty="0" err="1"/>
-              <a:t>read_matrices</a:t>
-            </a:r>
-            <a:r>
-              <a:rPr lang="en-US" sz="2000" dirty="0"/>
-              <a:t> function to create a matrix of row vectors for each image and assigned them matrices.</a:t>
-            </a:r>
-          </a:p>
-          <a:p>
-            <a:r>
-              <a:rPr lang="en-US" sz="2000" dirty="0" err="1"/>
+              <a:rPr lang="en-US" sz="1700" dirty="0"/>
+              <a:t>The primary code first took the read_matrices function to create a matrix of row vectors for each image and assigned them matrices.</a:t>
+            </a:r>
+          </a:p>
+          <a:p>
+            <a:r>
+              <a:rPr lang="en-US" sz="1700" dirty="0" err="1"/>
               <a:t>Fruit_vector_average</a:t>
             </a:r>
             <a:r>
-              <a:rPr lang="en-US" sz="2000" dirty="0"/>
+              <a:rPr lang="en-US" sz="1700" dirty="0"/>
               <a:t> then took these matrices and calculated the average vectors and created row vectors.</a:t>
             </a:r>
           </a:p>
           <a:p>
             <a:r>
-              <a:rPr lang="en-US" sz="2000" dirty="0" err="1"/>
+              <a:rPr lang="en-US" sz="1700" dirty="0"/>
+              <a:t>We convert the average vectors to int16 as it makes the java aspect easier, to do this we had to round.</a:t>
+            </a:r>
+          </a:p>
+          <a:p>
+            <a:r>
+              <a:rPr lang="en-US" sz="1700" dirty="0" err="1"/>
               <a:t>Csvwrite</a:t>
             </a:r>
             <a:r>
-              <a:rPr lang="en-US" sz="2000" dirty="0"/>
+              <a:rPr lang="en-US" sz="1700" dirty="0"/>
               <a:t> then converts these row vectors into csv files that can be read into other parts of our project for classification.</a:t>
             </a:r>
           </a:p>
@@ -3588,7 +3590,7 @@
       </p:sp>
       <p:grpSp>
         <p:nvGrpSpPr>
-          <p:cNvPr id="14" name="Group 13">
+          <p:cNvPr id="27" name="Group 26">
             <a:extLst>
               <a:ext uri="{FF2B5EF4-FFF2-40B4-BE49-F238E27FC236}">
                 <a16:creationId xmlns:a16="http://schemas.microsoft.com/office/drawing/2014/main" id="{828A5161-06F1-46CF-8AD7-844680A59E13}"/>
@@ -3619,7 +3621,7 @@
         </p:grpSpPr>
         <p:sp>
           <p:nvSpPr>
-            <p:cNvPr id="15" name="Isosceles Triangle 14">
+            <p:cNvPr id="28" name="Isosceles Triangle 27">
               <a:extLst>
                 <a:ext uri="{FF2B5EF4-FFF2-40B4-BE49-F238E27FC236}">
                   <a16:creationId xmlns:a16="http://schemas.microsoft.com/office/drawing/2014/main" id="{D3F51FEB-38FB-4F6C-9F7B-2F2AFAB65463}"/>
@@ -3684,7 +3686,7 @@
         </p:sp>
         <p:sp>
           <p:nvSpPr>
-            <p:cNvPr id="16" name="Rectangle 15">
+            <p:cNvPr id="29" name="Rectangle 28">
               <a:extLst>
                 <a:ext uri="{FF2B5EF4-FFF2-40B4-BE49-F238E27FC236}">
                   <a16:creationId xmlns:a16="http://schemas.microsoft.com/office/drawing/2014/main" id="{1E547BA6-BAE0-43BB-A7CA-60F69CE252F0}"/>
@@ -3748,10 +3750,10 @@
       </p:grpSp>
       <p:pic>
         <p:nvPicPr>
-          <p:cNvPr id="5" name="Content Placeholder 4">
-            <a:extLst>
-              <a:ext uri="{FF2B5EF4-FFF2-40B4-BE49-F238E27FC236}">
-                <a16:creationId xmlns:a16="http://schemas.microsoft.com/office/drawing/2014/main" id="{6AD58653-6D23-F16C-E931-F8364F34FD88}"/>
+          <p:cNvPr id="7" name="Picture 6">
+            <a:extLst>
+              <a:ext uri="{FF2B5EF4-FFF2-40B4-BE49-F238E27FC236}">
+                <a16:creationId xmlns:a16="http://schemas.microsoft.com/office/drawing/2014/main" id="{1D73DAC2-F78E-7D52-E245-9192A05C1F0C}"/>
               </a:ext>
             </a:extLst>
           </p:cNvPr>
@@ -3768,8 +3770,8 @@
         </p:blipFill>
         <p:spPr>
           <a:xfrm>
-            <a:off x="5295320" y="2725755"/>
-            <a:ext cx="6253212" cy="2476343"/>
+            <a:off x="5295320" y="2911631"/>
+            <a:ext cx="6253212" cy="2104592"/>
           </a:xfrm>
           <a:prstGeom prst="rect">
             <a:avLst/>
@@ -3778,7 +3780,7 @@
       </p:pic>
       <p:grpSp>
         <p:nvGrpSpPr>
-          <p:cNvPr id="18" name="Group 17">
+          <p:cNvPr id="31" name="Group 30">
             <a:extLst>
               <a:ext uri="{FF2B5EF4-FFF2-40B4-BE49-F238E27FC236}">
                 <a16:creationId xmlns:a16="http://schemas.microsoft.com/office/drawing/2014/main" id="{5995D10D-E9C9-47DB-AE7E-801FEF38F5C9}"/>
@@ -3809,7 +3811,7 @@
         </p:grpSpPr>
         <p:sp>
           <p:nvSpPr>
-            <p:cNvPr id="19" name="Rectangle 18">
+            <p:cNvPr id="32" name="Rectangle 31">
               <a:extLst>
                 <a:ext uri="{FF2B5EF4-FFF2-40B4-BE49-F238E27FC236}">
                   <a16:creationId xmlns:a16="http://schemas.microsoft.com/office/drawing/2014/main" id="{CC1A72C6-3DE4-4EC3-9AD5-9E0D40D8CE8A}"/>
@@ -3872,7 +3874,7 @@
         </p:sp>
         <p:sp>
           <p:nvSpPr>
-            <p:cNvPr id="20" name="Isosceles Triangle 19">
+            <p:cNvPr id="33" name="Isosceles Triangle 32">
               <a:extLst>
                 <a:ext uri="{FF2B5EF4-FFF2-40B4-BE49-F238E27FC236}">
                   <a16:creationId xmlns:a16="http://schemas.microsoft.com/office/drawing/2014/main" id="{0B0DA1F1-C391-4EDF-9FE0-23E86E137765}"/>
@@ -3974,12 +3976,12 @@
           <a:chExt cx="0" cy="0"/>
         </a:xfrm>
       </p:grpSpPr>
-      <p:sp>
-        <p:nvSpPr>
-          <p:cNvPr id="12" name="Rectangle 11">
-            <a:extLst>
-              <a:ext uri="{FF2B5EF4-FFF2-40B4-BE49-F238E27FC236}">
-                <a16:creationId xmlns:a16="http://schemas.microsoft.com/office/drawing/2014/main" id="{2B566528-1B12-4246-9431-5C2D7D081168}"/>
+      <p:sp useBgFill="1">
+        <p:nvSpPr>
+          <p:cNvPr id="25" name="Rectangle 24">
+            <a:extLst>
+              <a:ext uri="{FF2B5EF4-FFF2-40B4-BE49-F238E27FC236}">
+                <a16:creationId xmlns:a16="http://schemas.microsoft.com/office/drawing/2014/main" id="{C4E4288A-DFC8-40A2-90E5-70E851A933AD}"/>
               </a:ext>
               <a:ext uri="{C183D7F6-B498-43B3-948B-1728B52AA6E4}">
                 <adec:decorative xmlns:adec="http://schemas.microsoft.com/office/drawing/2017/decorative" val="1"/>
@@ -4005,8 +4007,1060 @@
           <a:prstGeom prst="rect">
             <a:avLst/>
           </a:prstGeom>
+          <a:ln>
+            <a:noFill/>
+          </a:ln>
+        </p:spPr>
+        <p:style>
+          <a:lnRef idx="2">
+            <a:schemeClr val="accent1">
+              <a:shade val="50000"/>
+            </a:schemeClr>
+          </a:lnRef>
+          <a:fillRef idx="1">
+            <a:schemeClr val="accent1"/>
+          </a:fillRef>
+          <a:effectRef idx="0">
+            <a:schemeClr val="accent1"/>
+          </a:effectRef>
+          <a:fontRef idx="minor">
+            <a:schemeClr val="lt1"/>
+          </a:fontRef>
+        </p:style>
+        <p:txBody>
+          <a:bodyPr rtlCol="0" anchor="ctr"/>
+          <a:lstStyle/>
+          <a:p>
+            <a:pPr algn="ctr"/>
+            <a:endParaRPr lang="en-US"/>
+          </a:p>
+        </p:txBody>
+      </p:sp>
+      <p:grpSp>
+        <p:nvGrpSpPr>
+          <p:cNvPr id="27" name="Group 26">
+            <a:extLst>
+              <a:ext uri="{FF2B5EF4-FFF2-40B4-BE49-F238E27FC236}">
+                <a16:creationId xmlns:a16="http://schemas.microsoft.com/office/drawing/2014/main" id="{B63C2D82-D4FA-4A37-BB01-1E7B21E4FF20}"/>
+              </a:ext>
+              <a:ext uri="{C183D7F6-B498-43B3-948B-1728B52AA6E4}">
+                <adec:decorative xmlns:adec="http://schemas.microsoft.com/office/drawing/2017/decorative" val="1"/>
+              </a:ext>
+            </a:extLst>
+          </p:cNvPr>
+          <p:cNvGrpSpPr>
+            <a:grpSpLocks noGrp="1" noUngrp="1" noRot="1" noChangeAspect="1" noMove="1" noResize="1"/>
+          </p:cNvGrpSpPr>
+          <p:nvPr>
+            <p:extLst>
+              <p:ext uri="{386F3935-93C4-4BCD-93E2-E3B085C9AB24}">
+                <p16:designElem xmlns:p16="http://schemas.microsoft.com/office/powerpoint/2015/main" val="1"/>
+              </p:ext>
+            </p:extLst>
+          </p:nvPr>
+        </p:nvGrpSpPr>
+        <p:grpSpPr>
+          <a:xfrm>
+            <a:off x="965199" y="634058"/>
+            <a:ext cx="1128382" cy="847206"/>
+            <a:chOff x="5307830" y="325570"/>
+            <a:chExt cx="1128382" cy="847206"/>
+          </a:xfrm>
+        </p:grpSpPr>
+        <p:sp>
+          <p:nvSpPr>
+            <p:cNvPr id="28" name="Freeform 5">
+              <a:extLst>
+                <a:ext uri="{FF2B5EF4-FFF2-40B4-BE49-F238E27FC236}">
+                  <a16:creationId xmlns:a16="http://schemas.microsoft.com/office/drawing/2014/main" id="{C94E7FEF-0CE9-4AC2-94BB-02230C6DC0DF}"/>
+                </a:ext>
+                <a:ext uri="{C183D7F6-B498-43B3-948B-1728B52AA6E4}">
+                  <adec:decorative xmlns:adec="http://schemas.microsoft.com/office/drawing/2017/decorative" val="1"/>
+                </a:ext>
+              </a:extLst>
+            </p:cNvPr>
+            <p:cNvSpPr>
+              <a:spLocks/>
+            </p:cNvSpPr>
+            <p:nvPr>
+              <p:extLst>
+                <p:ext uri="{386F3935-93C4-4BCD-93E2-E3B085C9AB24}">
+                  <p16:designElem xmlns:p16="http://schemas.microsoft.com/office/powerpoint/2015/main" val="1"/>
+                </p:ext>
+              </p:extLst>
+            </p:nvPr>
+          </p:nvSpPr>
+          <p:spPr bwMode="auto">
+            <a:xfrm>
+              <a:off x="5307830" y="577396"/>
+              <a:ext cx="675351" cy="595380"/>
+            </a:xfrm>
+            <a:custGeom>
+              <a:avLst/>
+              <a:gdLst>
+                <a:gd name="T0" fmla="*/ 225 w 785"/>
+                <a:gd name="T1" fmla="*/ 692 h 692"/>
+                <a:gd name="T2" fmla="*/ 177 w 785"/>
+                <a:gd name="T3" fmla="*/ 665 h 692"/>
+                <a:gd name="T4" fmla="*/ 9 w 785"/>
+                <a:gd name="T5" fmla="*/ 374 h 692"/>
+                <a:gd name="T6" fmla="*/ 9 w 785"/>
+                <a:gd name="T7" fmla="*/ 318 h 692"/>
+                <a:gd name="T8" fmla="*/ 177 w 785"/>
+                <a:gd name="T9" fmla="*/ 27 h 692"/>
+                <a:gd name="T10" fmla="*/ 225 w 785"/>
+                <a:gd name="T11" fmla="*/ 0 h 692"/>
+                <a:gd name="T12" fmla="*/ 561 w 785"/>
+                <a:gd name="T13" fmla="*/ 0 h 692"/>
+                <a:gd name="T14" fmla="*/ 609 w 785"/>
+                <a:gd name="T15" fmla="*/ 27 h 692"/>
+                <a:gd name="T16" fmla="*/ 777 w 785"/>
+                <a:gd name="T17" fmla="*/ 318 h 692"/>
+                <a:gd name="T18" fmla="*/ 777 w 785"/>
+                <a:gd name="T19" fmla="*/ 374 h 692"/>
+                <a:gd name="T20" fmla="*/ 609 w 785"/>
+                <a:gd name="T21" fmla="*/ 665 h 692"/>
+                <a:gd name="T22" fmla="*/ 561 w 785"/>
+                <a:gd name="T23" fmla="*/ 692 h 692"/>
+                <a:gd name="T24" fmla="*/ 225 w 785"/>
+                <a:gd name="T25" fmla="*/ 692 h 692"/>
+              </a:gdLst>
+              <a:ahLst/>
+              <a:cxnLst>
+                <a:cxn ang="0">
+                  <a:pos x="T0" y="T1"/>
+                </a:cxn>
+                <a:cxn ang="0">
+                  <a:pos x="T2" y="T3"/>
+                </a:cxn>
+                <a:cxn ang="0">
+                  <a:pos x="T4" y="T5"/>
+                </a:cxn>
+                <a:cxn ang="0">
+                  <a:pos x="T6" y="T7"/>
+                </a:cxn>
+                <a:cxn ang="0">
+                  <a:pos x="T8" y="T9"/>
+                </a:cxn>
+                <a:cxn ang="0">
+                  <a:pos x="T10" y="T11"/>
+                </a:cxn>
+                <a:cxn ang="0">
+                  <a:pos x="T12" y="T13"/>
+                </a:cxn>
+                <a:cxn ang="0">
+                  <a:pos x="T14" y="T15"/>
+                </a:cxn>
+                <a:cxn ang="0">
+                  <a:pos x="T16" y="T17"/>
+                </a:cxn>
+                <a:cxn ang="0">
+                  <a:pos x="T18" y="T19"/>
+                </a:cxn>
+                <a:cxn ang="0">
+                  <a:pos x="T20" y="T21"/>
+                </a:cxn>
+                <a:cxn ang="0">
+                  <a:pos x="T22" y="T23"/>
+                </a:cxn>
+                <a:cxn ang="0">
+                  <a:pos x="T24" y="T25"/>
+                </a:cxn>
+              </a:cxnLst>
+              <a:rect l="0" t="0" r="r" b="b"/>
+              <a:pathLst>
+                <a:path w="785" h="692">
+                  <a:moveTo>
+                    <a:pt x="225" y="692"/>
+                  </a:moveTo>
+                  <a:cubicBezTo>
+                    <a:pt x="207" y="692"/>
+                    <a:pt x="185" y="680"/>
+                    <a:pt x="177" y="665"/>
+                  </a:cubicBezTo>
+                  <a:cubicBezTo>
+                    <a:pt x="9" y="374"/>
+                    <a:pt x="9" y="374"/>
+                    <a:pt x="9" y="374"/>
+                  </a:cubicBezTo>
+                  <a:cubicBezTo>
+                    <a:pt x="0" y="358"/>
+                    <a:pt x="0" y="334"/>
+                    <a:pt x="9" y="318"/>
+                  </a:cubicBezTo>
+                  <a:cubicBezTo>
+                    <a:pt x="177" y="27"/>
+                    <a:pt x="177" y="27"/>
+                    <a:pt x="177" y="27"/>
+                  </a:cubicBezTo>
+                  <a:cubicBezTo>
+                    <a:pt x="185" y="12"/>
+                    <a:pt x="207" y="0"/>
+                    <a:pt x="225" y="0"/>
+                  </a:cubicBezTo>
+                  <a:cubicBezTo>
+                    <a:pt x="561" y="0"/>
+                    <a:pt x="561" y="0"/>
+                    <a:pt x="561" y="0"/>
+                  </a:cubicBezTo>
+                  <a:cubicBezTo>
+                    <a:pt x="578" y="0"/>
+                    <a:pt x="600" y="12"/>
+                    <a:pt x="609" y="27"/>
+                  </a:cubicBezTo>
+                  <a:cubicBezTo>
+                    <a:pt x="777" y="318"/>
+                    <a:pt x="777" y="318"/>
+                    <a:pt x="777" y="318"/>
+                  </a:cubicBezTo>
+                  <a:cubicBezTo>
+                    <a:pt x="785" y="334"/>
+                    <a:pt x="785" y="358"/>
+                    <a:pt x="777" y="374"/>
+                  </a:cubicBezTo>
+                  <a:cubicBezTo>
+                    <a:pt x="609" y="665"/>
+                    <a:pt x="609" y="665"/>
+                    <a:pt x="609" y="665"/>
+                  </a:cubicBezTo>
+                  <a:cubicBezTo>
+                    <a:pt x="600" y="680"/>
+                    <a:pt x="578" y="692"/>
+                    <a:pt x="561" y="692"/>
+                  </a:cubicBezTo>
+                  <a:lnTo>
+                    <a:pt x="225" y="692"/>
+                  </a:lnTo>
+                  <a:close/>
+                </a:path>
+              </a:pathLst>
+            </a:custGeom>
+            <a:noFill/>
+            <a:ln w="28575" cmpd="sng">
+              <a:solidFill>
+                <a:schemeClr val="tx1"/>
+              </a:solidFill>
+            </a:ln>
+          </p:spPr>
+          <p:txBody>
+            <a:bodyPr vert="horz" wrap="square" lIns="91440" tIns="45720" rIns="91440" bIns="45720" numCol="1" anchor="t" anchorCtr="0" compatLnSpc="1">
+              <a:prstTxWarp prst="textNoShape">
+                <a:avLst/>
+              </a:prstTxWarp>
+            </a:bodyPr>
+            <a:lstStyle/>
+            <a:p>
+              <a:endParaRPr lang="en-US"/>
+            </a:p>
+          </p:txBody>
+        </p:sp>
+        <p:sp>
+          <p:nvSpPr>
+            <p:cNvPr id="29" name="Freeform 5">
+              <a:extLst>
+                <a:ext uri="{FF2B5EF4-FFF2-40B4-BE49-F238E27FC236}">
+                  <a16:creationId xmlns:a16="http://schemas.microsoft.com/office/drawing/2014/main" id="{EB546CC0-C1BC-48D2-8DA9-4B60283165C9}"/>
+                </a:ext>
+                <a:ext uri="{C183D7F6-B498-43B3-948B-1728B52AA6E4}">
+                  <adec:decorative xmlns:adec="http://schemas.microsoft.com/office/drawing/2017/decorative" val="1"/>
+                </a:ext>
+              </a:extLst>
+            </p:cNvPr>
+            <p:cNvSpPr>
+              <a:spLocks/>
+            </p:cNvSpPr>
+            <p:nvPr>
+              <p:extLst>
+                <p:ext uri="{386F3935-93C4-4BCD-93E2-E3B085C9AB24}">
+                  <p16:designElem xmlns:p16="http://schemas.microsoft.com/office/powerpoint/2015/main" val="1"/>
+                </p:ext>
+              </p:extLst>
+            </p:nvPr>
+          </p:nvSpPr>
+          <p:spPr bwMode="auto">
+            <a:xfrm>
+              <a:off x="5885720" y="325570"/>
+              <a:ext cx="550492" cy="485306"/>
+            </a:xfrm>
+            <a:custGeom>
+              <a:avLst/>
+              <a:gdLst>
+                <a:gd name="T0" fmla="*/ 225 w 785"/>
+                <a:gd name="T1" fmla="*/ 692 h 692"/>
+                <a:gd name="T2" fmla="*/ 177 w 785"/>
+                <a:gd name="T3" fmla="*/ 665 h 692"/>
+                <a:gd name="T4" fmla="*/ 9 w 785"/>
+                <a:gd name="T5" fmla="*/ 374 h 692"/>
+                <a:gd name="T6" fmla="*/ 9 w 785"/>
+                <a:gd name="T7" fmla="*/ 318 h 692"/>
+                <a:gd name="T8" fmla="*/ 177 w 785"/>
+                <a:gd name="T9" fmla="*/ 27 h 692"/>
+                <a:gd name="T10" fmla="*/ 225 w 785"/>
+                <a:gd name="T11" fmla="*/ 0 h 692"/>
+                <a:gd name="T12" fmla="*/ 561 w 785"/>
+                <a:gd name="T13" fmla="*/ 0 h 692"/>
+                <a:gd name="T14" fmla="*/ 609 w 785"/>
+                <a:gd name="T15" fmla="*/ 27 h 692"/>
+                <a:gd name="T16" fmla="*/ 777 w 785"/>
+                <a:gd name="T17" fmla="*/ 318 h 692"/>
+                <a:gd name="T18" fmla="*/ 777 w 785"/>
+                <a:gd name="T19" fmla="*/ 374 h 692"/>
+                <a:gd name="T20" fmla="*/ 609 w 785"/>
+                <a:gd name="T21" fmla="*/ 665 h 692"/>
+                <a:gd name="T22" fmla="*/ 561 w 785"/>
+                <a:gd name="T23" fmla="*/ 692 h 692"/>
+                <a:gd name="T24" fmla="*/ 225 w 785"/>
+                <a:gd name="T25" fmla="*/ 692 h 692"/>
+              </a:gdLst>
+              <a:ahLst/>
+              <a:cxnLst>
+                <a:cxn ang="0">
+                  <a:pos x="T0" y="T1"/>
+                </a:cxn>
+                <a:cxn ang="0">
+                  <a:pos x="T2" y="T3"/>
+                </a:cxn>
+                <a:cxn ang="0">
+                  <a:pos x="T4" y="T5"/>
+                </a:cxn>
+                <a:cxn ang="0">
+                  <a:pos x="T6" y="T7"/>
+                </a:cxn>
+                <a:cxn ang="0">
+                  <a:pos x="T8" y="T9"/>
+                </a:cxn>
+                <a:cxn ang="0">
+                  <a:pos x="T10" y="T11"/>
+                </a:cxn>
+                <a:cxn ang="0">
+                  <a:pos x="T12" y="T13"/>
+                </a:cxn>
+                <a:cxn ang="0">
+                  <a:pos x="T14" y="T15"/>
+                </a:cxn>
+                <a:cxn ang="0">
+                  <a:pos x="T16" y="T17"/>
+                </a:cxn>
+                <a:cxn ang="0">
+                  <a:pos x="T18" y="T19"/>
+                </a:cxn>
+                <a:cxn ang="0">
+                  <a:pos x="T20" y="T21"/>
+                </a:cxn>
+                <a:cxn ang="0">
+                  <a:pos x="T22" y="T23"/>
+                </a:cxn>
+                <a:cxn ang="0">
+                  <a:pos x="T24" y="T25"/>
+                </a:cxn>
+              </a:cxnLst>
+              <a:rect l="0" t="0" r="r" b="b"/>
+              <a:pathLst>
+                <a:path w="785" h="692">
+                  <a:moveTo>
+                    <a:pt x="225" y="692"/>
+                  </a:moveTo>
+                  <a:cubicBezTo>
+                    <a:pt x="207" y="692"/>
+                    <a:pt x="185" y="680"/>
+                    <a:pt x="177" y="665"/>
+                  </a:cubicBezTo>
+                  <a:cubicBezTo>
+                    <a:pt x="9" y="374"/>
+                    <a:pt x="9" y="374"/>
+                    <a:pt x="9" y="374"/>
+                  </a:cubicBezTo>
+                  <a:cubicBezTo>
+                    <a:pt x="0" y="358"/>
+                    <a:pt x="0" y="334"/>
+                    <a:pt x="9" y="318"/>
+                  </a:cubicBezTo>
+                  <a:cubicBezTo>
+                    <a:pt x="177" y="27"/>
+                    <a:pt x="177" y="27"/>
+                    <a:pt x="177" y="27"/>
+                  </a:cubicBezTo>
+                  <a:cubicBezTo>
+                    <a:pt x="185" y="12"/>
+                    <a:pt x="207" y="0"/>
+                    <a:pt x="225" y="0"/>
+                  </a:cubicBezTo>
+                  <a:cubicBezTo>
+                    <a:pt x="561" y="0"/>
+                    <a:pt x="561" y="0"/>
+                    <a:pt x="561" y="0"/>
+                  </a:cubicBezTo>
+                  <a:cubicBezTo>
+                    <a:pt x="578" y="0"/>
+                    <a:pt x="600" y="12"/>
+                    <a:pt x="609" y="27"/>
+                  </a:cubicBezTo>
+                  <a:cubicBezTo>
+                    <a:pt x="777" y="318"/>
+                    <a:pt x="777" y="318"/>
+                    <a:pt x="777" y="318"/>
+                  </a:cubicBezTo>
+                  <a:cubicBezTo>
+                    <a:pt x="785" y="334"/>
+                    <a:pt x="785" y="358"/>
+                    <a:pt x="777" y="374"/>
+                  </a:cubicBezTo>
+                  <a:cubicBezTo>
+                    <a:pt x="609" y="665"/>
+                    <a:pt x="609" y="665"/>
+                    <a:pt x="609" y="665"/>
+                  </a:cubicBezTo>
+                  <a:cubicBezTo>
+                    <a:pt x="600" y="680"/>
+                    <a:pt x="578" y="692"/>
+                    <a:pt x="561" y="692"/>
+                  </a:cubicBezTo>
+                  <a:lnTo>
+                    <a:pt x="225" y="692"/>
+                  </a:lnTo>
+                  <a:close/>
+                </a:path>
+              </a:pathLst>
+            </a:custGeom>
+            <a:noFill/>
+            <a:ln w="28575" cmpd="sng">
+              <a:solidFill>
+                <a:schemeClr val="tx1"/>
+              </a:solidFill>
+            </a:ln>
+          </p:spPr>
+          <p:txBody>
+            <a:bodyPr vert="horz" wrap="square" lIns="91440" tIns="45720" rIns="91440" bIns="45720" numCol="1" anchor="t" anchorCtr="0" compatLnSpc="1">
+              <a:prstTxWarp prst="textNoShape">
+                <a:avLst/>
+              </a:prstTxWarp>
+            </a:bodyPr>
+            <a:lstStyle/>
+            <a:p>
+              <a:endParaRPr lang="en-US"/>
+            </a:p>
+          </p:txBody>
+        </p:sp>
+      </p:grpSp>
+      <p:sp>
+        <p:nvSpPr>
+          <p:cNvPr id="2" name="Title 1">
+            <a:extLst>
+              <a:ext uri="{FF2B5EF4-FFF2-40B4-BE49-F238E27FC236}">
+                <a16:creationId xmlns:a16="http://schemas.microsoft.com/office/drawing/2014/main" id="{F6D6A272-D1C9-5776-821B-64406E34E5C5}"/>
+              </a:ext>
+            </a:extLst>
+          </p:cNvPr>
+          <p:cNvSpPr>
+            <a:spLocks noGrp="1"/>
+          </p:cNvSpPr>
+          <p:nvPr>
+            <p:ph type="title"/>
+          </p:nvPr>
+        </p:nvSpPr>
+        <p:spPr>
+          <a:xfrm>
+            <a:off x="965200" y="1371190"/>
+            <a:ext cx="3363170" cy="2183042"/>
+          </a:xfrm>
+        </p:spPr>
+        <p:txBody>
+          <a:bodyPr anchor="b">
+            <a:normAutofit/>
+          </a:bodyPr>
+          <a:lstStyle/>
+          <a:p>
+            <a:r>
+              <a:rPr lang="en-US" sz="4000"/>
+              <a:t>MATLAB read_matrices function</a:t>
+            </a:r>
+          </a:p>
+        </p:txBody>
+      </p:sp>
+      <p:sp>
+        <p:nvSpPr>
+          <p:cNvPr id="31" name="Freeform 5">
+            <a:extLst>
+              <a:ext uri="{FF2B5EF4-FFF2-40B4-BE49-F238E27FC236}">
+                <a16:creationId xmlns:a16="http://schemas.microsoft.com/office/drawing/2014/main" id="{BD2BFF02-DF78-4F07-B176-52514E13127D}"/>
+              </a:ext>
+              <a:ext uri="{C183D7F6-B498-43B3-948B-1728B52AA6E4}">
+                <adec:decorative xmlns:adec="http://schemas.microsoft.com/office/drawing/2017/decorative" val="1"/>
+              </a:ext>
+            </a:extLst>
+          </p:cNvPr>
+          <p:cNvSpPr>
+            <a:spLocks noGrp="1" noRot="1" noChangeAspect="1" noMove="1" noResize="1" noEditPoints="1" noAdjustHandles="1" noChangeArrowheads="1" noChangeShapeType="1" noTextEdit="1"/>
+          </p:cNvSpPr>
+          <p:nvPr>
+            <p:extLst>
+              <p:ext uri="{386F3935-93C4-4BCD-93E2-E3B085C9AB24}">
+                <p16:designElem xmlns:p16="http://schemas.microsoft.com/office/powerpoint/2015/main" val="1"/>
+              </p:ext>
+            </p:extLst>
+          </p:nvPr>
+        </p:nvSpPr>
+        <p:spPr bwMode="auto">
+          <a:xfrm>
+            <a:off x="7062174" y="1653645"/>
+            <a:ext cx="4689240" cy="4115025"/>
+          </a:xfrm>
+          <a:custGeom>
+            <a:avLst/>
+            <a:gdLst>
+              <a:gd name="T0" fmla="*/ 781 w 1099"/>
+              <a:gd name="T1" fmla="*/ 0 h 968"/>
+              <a:gd name="T2" fmla="*/ 318 w 1099"/>
+              <a:gd name="T3" fmla="*/ 0 h 968"/>
+              <a:gd name="T4" fmla="*/ 246 w 1099"/>
+              <a:gd name="T5" fmla="*/ 42 h 968"/>
+              <a:gd name="T6" fmla="*/ 15 w 1099"/>
+              <a:gd name="T7" fmla="*/ 443 h 968"/>
+              <a:gd name="T8" fmla="*/ 15 w 1099"/>
+              <a:gd name="T9" fmla="*/ 525 h 968"/>
+              <a:gd name="T10" fmla="*/ 246 w 1099"/>
+              <a:gd name="T11" fmla="*/ 926 h 968"/>
+              <a:gd name="T12" fmla="*/ 318 w 1099"/>
+              <a:gd name="T13" fmla="*/ 968 h 968"/>
+              <a:gd name="T14" fmla="*/ 781 w 1099"/>
+              <a:gd name="T15" fmla="*/ 968 h 968"/>
+              <a:gd name="T16" fmla="*/ 852 w 1099"/>
+              <a:gd name="T17" fmla="*/ 926 h 968"/>
+              <a:gd name="T18" fmla="*/ 1084 w 1099"/>
+              <a:gd name="T19" fmla="*/ 525 h 968"/>
+              <a:gd name="T20" fmla="*/ 1084 w 1099"/>
+              <a:gd name="T21" fmla="*/ 443 h 968"/>
+              <a:gd name="T22" fmla="*/ 852 w 1099"/>
+              <a:gd name="T23" fmla="*/ 42 h 968"/>
+              <a:gd name="T24" fmla="*/ 781 w 1099"/>
+              <a:gd name="T25" fmla="*/ 0 h 968"/>
+            </a:gdLst>
+            <a:ahLst/>
+            <a:cxnLst>
+              <a:cxn ang="0">
+                <a:pos x="T0" y="T1"/>
+              </a:cxn>
+              <a:cxn ang="0">
+                <a:pos x="T2" y="T3"/>
+              </a:cxn>
+              <a:cxn ang="0">
+                <a:pos x="T4" y="T5"/>
+              </a:cxn>
+              <a:cxn ang="0">
+                <a:pos x="T6" y="T7"/>
+              </a:cxn>
+              <a:cxn ang="0">
+                <a:pos x="T8" y="T9"/>
+              </a:cxn>
+              <a:cxn ang="0">
+                <a:pos x="T10" y="T11"/>
+              </a:cxn>
+              <a:cxn ang="0">
+                <a:pos x="T12" y="T13"/>
+              </a:cxn>
+              <a:cxn ang="0">
+                <a:pos x="T14" y="T15"/>
+              </a:cxn>
+              <a:cxn ang="0">
+                <a:pos x="T16" y="T17"/>
+              </a:cxn>
+              <a:cxn ang="0">
+                <a:pos x="T18" y="T19"/>
+              </a:cxn>
+              <a:cxn ang="0">
+                <a:pos x="T20" y="T21"/>
+              </a:cxn>
+              <a:cxn ang="0">
+                <a:pos x="T22" y="T23"/>
+              </a:cxn>
+              <a:cxn ang="0">
+                <a:pos x="T24" y="T25"/>
+              </a:cxn>
+            </a:cxnLst>
+            <a:rect l="0" t="0" r="r" b="b"/>
+            <a:pathLst>
+              <a:path w="1099" h="968">
+                <a:moveTo>
+                  <a:pt x="781" y="0"/>
+                </a:moveTo>
+                <a:cubicBezTo>
+                  <a:pt x="318" y="0"/>
+                  <a:pt x="318" y="0"/>
+                  <a:pt x="318" y="0"/>
+                </a:cubicBezTo>
+                <a:cubicBezTo>
+                  <a:pt x="288" y="0"/>
+                  <a:pt x="261" y="16"/>
+                  <a:pt x="246" y="42"/>
+                </a:cubicBezTo>
+                <a:cubicBezTo>
+                  <a:pt x="15" y="443"/>
+                  <a:pt x="15" y="443"/>
+                  <a:pt x="15" y="443"/>
+                </a:cubicBezTo>
+                <a:cubicBezTo>
+                  <a:pt x="0" y="468"/>
+                  <a:pt x="0" y="500"/>
+                  <a:pt x="15" y="525"/>
+                </a:cubicBezTo>
+                <a:cubicBezTo>
+                  <a:pt x="246" y="926"/>
+                  <a:pt x="246" y="926"/>
+                  <a:pt x="246" y="926"/>
+                </a:cubicBezTo>
+                <a:cubicBezTo>
+                  <a:pt x="261" y="952"/>
+                  <a:pt x="288" y="968"/>
+                  <a:pt x="318" y="968"/>
+                </a:cubicBezTo>
+                <a:cubicBezTo>
+                  <a:pt x="781" y="968"/>
+                  <a:pt x="781" y="968"/>
+                  <a:pt x="781" y="968"/>
+                </a:cubicBezTo>
+                <a:cubicBezTo>
+                  <a:pt x="810" y="968"/>
+                  <a:pt x="838" y="952"/>
+                  <a:pt x="852" y="926"/>
+                </a:cubicBezTo>
+                <a:cubicBezTo>
+                  <a:pt x="1084" y="525"/>
+                  <a:pt x="1084" y="525"/>
+                  <a:pt x="1084" y="525"/>
+                </a:cubicBezTo>
+                <a:cubicBezTo>
+                  <a:pt x="1099" y="500"/>
+                  <a:pt x="1099" y="468"/>
+                  <a:pt x="1084" y="443"/>
+                </a:cubicBezTo>
+                <a:cubicBezTo>
+                  <a:pt x="852" y="42"/>
+                  <a:pt x="852" y="42"/>
+                  <a:pt x="852" y="42"/>
+                </a:cubicBezTo>
+                <a:cubicBezTo>
+                  <a:pt x="838" y="16"/>
+                  <a:pt x="810" y="0"/>
+                  <a:pt x="781" y="0"/>
+                </a:cubicBezTo>
+                <a:close/>
+              </a:path>
+            </a:pathLst>
+          </a:custGeom>
+          <a:noFill/>
+          <a:ln w="50800" cap="flat">
+            <a:solidFill>
+              <a:schemeClr val="tx1"/>
+            </a:solidFill>
+            <a:prstDash val="solid"/>
+            <a:miter lim="800000"/>
+            <a:headEnd/>
+            <a:tailEnd/>
+          </a:ln>
+        </p:spPr>
+        <p:txBody>
+          <a:bodyPr vert="horz" wrap="square" lIns="91440" tIns="45720" rIns="91440" bIns="45720" numCol="1" anchor="t" anchorCtr="0" compatLnSpc="1">
+            <a:prstTxWarp prst="textNoShape">
+              <a:avLst/>
+            </a:prstTxWarp>
+          </a:bodyPr>
+          <a:lstStyle/>
+          <a:p>
+            <a:endParaRPr lang="en-US" dirty="0"/>
+          </a:p>
+        </p:txBody>
+      </p:sp>
+      <p:sp>
+        <p:nvSpPr>
+          <p:cNvPr id="33" name="Freeform: Shape 32">
+            <a:extLst>
+              <a:ext uri="{FF2B5EF4-FFF2-40B4-BE49-F238E27FC236}">
+                <a16:creationId xmlns:a16="http://schemas.microsoft.com/office/drawing/2014/main" id="{0DB06EAB-7D8C-403A-86C5-B5FD79A13650}"/>
+              </a:ext>
+              <a:ext uri="{C183D7F6-B498-43B3-948B-1728B52AA6E4}">
+                <adec:decorative xmlns:adec="http://schemas.microsoft.com/office/drawing/2017/decorative" val="1"/>
+              </a:ext>
+            </a:extLst>
+          </p:cNvPr>
+          <p:cNvSpPr>
+            <a:spLocks noGrp="1" noRot="1" noChangeAspect="1" noMove="1" noResize="1" noEditPoints="1" noAdjustHandles="1" noChangeArrowheads="1" noChangeShapeType="1" noTextEdit="1"/>
+          </p:cNvSpPr>
+          <p:nvPr>
+            <p:extLst>
+              <p:ext uri="{386F3935-93C4-4BCD-93E2-E3B085C9AB24}">
+                <p16:designElem xmlns:p16="http://schemas.microsoft.com/office/powerpoint/2015/main" val="1"/>
+              </p:ext>
+            </p:extLst>
+          </p:nvPr>
+        </p:nvSpPr>
+        <p:spPr>
+          <a:xfrm>
+            <a:off x="4542865" y="634058"/>
+            <a:ext cx="3154669" cy="2796247"/>
+          </a:xfrm>
+          <a:custGeom>
+            <a:avLst/>
+            <a:gdLst>
+              <a:gd name="connsiteX0" fmla="*/ 853538 w 2991693"/>
+              <a:gd name="connsiteY0" fmla="*/ 0 h 2651787"/>
+              <a:gd name="connsiteX1" fmla="*/ 2141030 w 2991693"/>
+              <a:gd name="connsiteY1" fmla="*/ 0 h 2651787"/>
+              <a:gd name="connsiteX2" fmla="*/ 2324957 w 2991693"/>
+              <a:gd name="connsiteY2" fmla="*/ 103466 h 2651787"/>
+              <a:gd name="connsiteX3" fmla="*/ 2968702 w 2991693"/>
+              <a:gd name="connsiteY3" fmla="*/ 1218596 h 2651787"/>
+              <a:gd name="connsiteX4" fmla="*/ 2968702 w 2991693"/>
+              <a:gd name="connsiteY4" fmla="*/ 1433192 h 2651787"/>
+              <a:gd name="connsiteX5" fmla="*/ 2324957 w 2991693"/>
+              <a:gd name="connsiteY5" fmla="*/ 2548321 h 2651787"/>
+              <a:gd name="connsiteX6" fmla="*/ 2141030 w 2991693"/>
+              <a:gd name="connsiteY6" fmla="*/ 2651787 h 2651787"/>
+              <a:gd name="connsiteX7" fmla="*/ 853538 w 2991693"/>
+              <a:gd name="connsiteY7" fmla="*/ 2651787 h 2651787"/>
+              <a:gd name="connsiteX8" fmla="*/ 669612 w 2991693"/>
+              <a:gd name="connsiteY8" fmla="*/ 2548321 h 2651787"/>
+              <a:gd name="connsiteX9" fmla="*/ 25866 w 2991693"/>
+              <a:gd name="connsiteY9" fmla="*/ 1433192 h 2651787"/>
+              <a:gd name="connsiteX10" fmla="*/ 25866 w 2991693"/>
+              <a:gd name="connsiteY10" fmla="*/ 1218596 h 2651787"/>
+              <a:gd name="connsiteX11" fmla="*/ 669612 w 2991693"/>
+              <a:gd name="connsiteY11" fmla="*/ 103466 h 2651787"/>
+              <a:gd name="connsiteX12" fmla="*/ 853538 w 2991693"/>
+              <a:gd name="connsiteY12" fmla="*/ 0 h 2651787"/>
+            </a:gdLst>
+            <a:ahLst/>
+            <a:cxnLst>
+              <a:cxn ang="0">
+                <a:pos x="connsiteX0" y="connsiteY0"/>
+              </a:cxn>
+              <a:cxn ang="0">
+                <a:pos x="connsiteX1" y="connsiteY1"/>
+              </a:cxn>
+              <a:cxn ang="0">
+                <a:pos x="connsiteX2" y="connsiteY2"/>
+              </a:cxn>
+              <a:cxn ang="0">
+                <a:pos x="connsiteX3" y="connsiteY3"/>
+              </a:cxn>
+              <a:cxn ang="0">
+                <a:pos x="connsiteX4" y="connsiteY4"/>
+              </a:cxn>
+              <a:cxn ang="0">
+                <a:pos x="connsiteX5" y="connsiteY5"/>
+              </a:cxn>
+              <a:cxn ang="0">
+                <a:pos x="connsiteX6" y="connsiteY6"/>
+              </a:cxn>
+              <a:cxn ang="0">
+                <a:pos x="connsiteX7" y="connsiteY7"/>
+              </a:cxn>
+              <a:cxn ang="0">
+                <a:pos x="connsiteX8" y="connsiteY8"/>
+              </a:cxn>
+              <a:cxn ang="0">
+                <a:pos x="connsiteX9" y="connsiteY9"/>
+              </a:cxn>
+              <a:cxn ang="0">
+                <a:pos x="connsiteX10" y="connsiteY10"/>
+              </a:cxn>
+              <a:cxn ang="0">
+                <a:pos x="connsiteX11" y="connsiteY11"/>
+              </a:cxn>
+              <a:cxn ang="0">
+                <a:pos x="connsiteX12" y="connsiteY12"/>
+              </a:cxn>
+            </a:cxnLst>
+            <a:rect l="l" t="t" r="r" b="b"/>
+            <a:pathLst>
+              <a:path w="2991693" h="2651787">
+                <a:moveTo>
+                  <a:pt x="853538" y="0"/>
+                </a:moveTo>
+                <a:cubicBezTo>
+                  <a:pt x="2141030" y="0"/>
+                  <a:pt x="2141030" y="0"/>
+                  <a:pt x="2141030" y="0"/>
+                </a:cubicBezTo>
+                <a:cubicBezTo>
+                  <a:pt x="2206170" y="0"/>
+                  <a:pt x="2290471" y="45985"/>
+                  <a:pt x="2324957" y="103466"/>
+                </a:cubicBezTo>
+                <a:cubicBezTo>
+                  <a:pt x="2968702" y="1218596"/>
+                  <a:pt x="2968702" y="1218596"/>
+                  <a:pt x="2968702" y="1218596"/>
+                </a:cubicBezTo>
+                <a:cubicBezTo>
+                  <a:pt x="2999357" y="1279909"/>
+                  <a:pt x="2999357" y="1371878"/>
+                  <a:pt x="2968702" y="1433192"/>
+                </a:cubicBezTo>
+                <a:cubicBezTo>
+                  <a:pt x="2324957" y="2548321"/>
+                  <a:pt x="2324957" y="2548321"/>
+                  <a:pt x="2324957" y="2548321"/>
+                </a:cubicBezTo>
+                <a:cubicBezTo>
+                  <a:pt x="2290471" y="2605803"/>
+                  <a:pt x="2206170" y="2651787"/>
+                  <a:pt x="2141030" y="2651787"/>
+                </a:cubicBezTo>
+                <a:lnTo>
+                  <a:pt x="853538" y="2651787"/>
+                </a:lnTo>
+                <a:cubicBezTo>
+                  <a:pt x="784566" y="2651787"/>
+                  <a:pt x="700266" y="2605803"/>
+                  <a:pt x="669612" y="2548321"/>
+                </a:cubicBezTo>
+                <a:cubicBezTo>
+                  <a:pt x="25866" y="1433192"/>
+                  <a:pt x="25866" y="1433192"/>
+                  <a:pt x="25866" y="1433192"/>
+                </a:cubicBezTo>
+                <a:cubicBezTo>
+                  <a:pt x="-8621" y="1371878"/>
+                  <a:pt x="-8621" y="1279909"/>
+                  <a:pt x="25866" y="1218596"/>
+                </a:cubicBezTo>
+                <a:cubicBezTo>
+                  <a:pt x="669612" y="103466"/>
+                  <a:pt x="669612" y="103466"/>
+                  <a:pt x="669612" y="103466"/>
+                </a:cubicBezTo>
+                <a:cubicBezTo>
+                  <a:pt x="700266" y="45985"/>
+                  <a:pt x="784566" y="0"/>
+                  <a:pt x="853538" y="0"/>
+                </a:cubicBezTo>
+                <a:close/>
+              </a:path>
+            </a:pathLst>
+          </a:custGeom>
+          <a:noFill/>
+          <a:ln w="50800" cap="flat">
+            <a:solidFill>
+              <a:schemeClr val="tx1"/>
+            </a:solidFill>
+            <a:prstDash val="solid"/>
+            <a:miter lim="800000"/>
+            <a:headEnd/>
+            <a:tailEnd/>
+          </a:ln>
+        </p:spPr>
+        <p:txBody>
+          <a:bodyPr vert="horz" wrap="square" lIns="91440" tIns="45720" rIns="91440" bIns="45720" numCol="1" anchor="t" anchorCtr="0" compatLnSpc="1">
+            <a:prstTxWarp prst="textNoShape">
+              <a:avLst/>
+            </a:prstTxWarp>
+          </a:bodyPr>
+          <a:lstStyle/>
+          <a:p>
+            <a:endParaRPr lang="en-US" dirty="0">
+              <a:solidFill>
+                <a:schemeClr val="tx1"/>
+              </a:solidFill>
+            </a:endParaRPr>
+          </a:p>
+        </p:txBody>
+      </p:sp>
+      <p:pic>
+        <p:nvPicPr>
+          <p:cNvPr id="7" name="Picture 6">
+            <a:extLst>
+              <a:ext uri="{FF2B5EF4-FFF2-40B4-BE49-F238E27FC236}">
+                <a16:creationId xmlns:a16="http://schemas.microsoft.com/office/drawing/2014/main" id="{719EB8AE-0EF9-3058-C58C-72071FEAC8BD}"/>
+              </a:ext>
+            </a:extLst>
+          </p:cNvPr>
+          <p:cNvPicPr>
+            <a:picLocks noChangeAspect="1"/>
+          </p:cNvPicPr>
+          <p:nvPr/>
+        </p:nvPicPr>
+        <p:blipFill>
+          <a:blip r:embed="rId2"/>
+          <a:stretch>
+            <a:fillRect/>
+          </a:stretch>
+        </p:blipFill>
+        <p:spPr>
+          <a:xfrm>
+            <a:off x="5196964" y="1757706"/>
+            <a:ext cx="1846470" cy="548950"/>
+          </a:xfrm>
+          <a:prstGeom prst="rect">
+            <a:avLst/>
+          </a:prstGeom>
+        </p:spPr>
+      </p:pic>
+      <p:sp>
+        <p:nvSpPr>
+          <p:cNvPr id="9" name="Content Placeholder 8">
+            <a:extLst>
+              <a:ext uri="{FF2B5EF4-FFF2-40B4-BE49-F238E27FC236}">
+                <a16:creationId xmlns:a16="http://schemas.microsoft.com/office/drawing/2014/main" id="{FAD1686A-B5FC-378E-CBDA-CB88B9B0B4BA}"/>
+              </a:ext>
+            </a:extLst>
+          </p:cNvPr>
+          <p:cNvSpPr>
+            <a:spLocks noGrp="1"/>
+          </p:cNvSpPr>
+          <p:nvPr>
+            <p:ph idx="1"/>
+          </p:nvPr>
+        </p:nvSpPr>
+        <p:spPr>
+          <a:xfrm>
+            <a:off x="965199" y="3729161"/>
+            <a:ext cx="5690043" cy="2277321"/>
+          </a:xfrm>
+        </p:spPr>
+        <p:txBody>
+          <a:bodyPr>
+            <a:normAutofit fontScale="92500"/>
+          </a:bodyPr>
+          <a:lstStyle/>
+          <a:p>
+            <a:r>
+              <a:rPr lang="en-US" sz="1100" dirty="0"/>
+              <a:t>This function would read in the datasets which were formatted as a folder containing every jpg.</a:t>
+            </a:r>
+          </a:p>
+          <a:p>
+            <a:r>
+              <a:rPr lang="en-US" sz="1100" dirty="0"/>
+              <a:t>Once read into their variables it would find the length used in the for-loop.</a:t>
+            </a:r>
+          </a:p>
+          <a:p>
+            <a:r>
+              <a:rPr lang="en-US" sz="1100" dirty="0"/>
+              <a:t>In the for-loop it took the images and converted them into row vectors after first turning them into a 64x64x1 matrix.</a:t>
+            </a:r>
+          </a:p>
+          <a:p>
+            <a:r>
+              <a:rPr lang="en-US" sz="1100" dirty="0"/>
+              <a:t>Since the row vectors were all the same length due to the sizes of the images being the same it then read them into the fruits output row vector matrix with each row being a separate image seen as a vector.</a:t>
+            </a:r>
+          </a:p>
+          <a:p>
+            <a:r>
+              <a:rPr lang="en-US" sz="1100" dirty="0"/>
+              <a:t>This image shows the function including only the banana calculations, this same cycle was repeated for apples and oranges in the same function</a:t>
+            </a:r>
+          </a:p>
+          <a:p>
+            <a:r>
+              <a:rPr lang="en-US" sz="1100" dirty="0"/>
+              <a:t>At the end of the function, it converts the matrices into doubles so when calculating the averages, it would be more exact rather than doing integer calculations</a:t>
+            </a:r>
+          </a:p>
+        </p:txBody>
+      </p:sp>
+      <p:pic>
+        <p:nvPicPr>
+          <p:cNvPr id="5" name="Content Placeholder 4">
+            <a:extLst>
+              <a:ext uri="{FF2B5EF4-FFF2-40B4-BE49-F238E27FC236}">
+                <a16:creationId xmlns:a16="http://schemas.microsoft.com/office/drawing/2014/main" id="{0FFB2FFC-DDF2-D111-B9E8-8DE908A3A88D}"/>
+              </a:ext>
+            </a:extLst>
+          </p:cNvPr>
+          <p:cNvPicPr>
+            <a:picLocks noChangeAspect="1"/>
+          </p:cNvPicPr>
+          <p:nvPr/>
+        </p:nvPicPr>
+        <p:blipFill>
+          <a:blip r:embed="rId3"/>
+          <a:stretch>
+            <a:fillRect/>
+          </a:stretch>
+        </p:blipFill>
+        <p:spPr>
+          <a:xfrm>
+            <a:off x="8050038" y="2809571"/>
+            <a:ext cx="2713512" cy="1803172"/>
+          </a:xfrm>
+          <a:prstGeom prst="rect">
+            <a:avLst/>
+          </a:prstGeom>
+        </p:spPr>
+      </p:pic>
+    </p:spTree>
+    <p:extLst>
+      <p:ext uri="{BB962C8B-B14F-4D97-AF65-F5344CB8AC3E}">
+        <p14:creationId xmlns:p14="http://schemas.microsoft.com/office/powerpoint/2010/main" val="4222161867"/>
+      </p:ext>
+    </p:extLst>
+  </p:cSld>
+  <p:clrMapOvr>
+    <a:masterClrMapping/>
+  </p:clrMapOvr>
+</p:sld>
+</file>
+
+<file path=ppt/slides/slide4.xml><?xml version="1.0" encoding="utf-8"?>
+<p:sld xmlns:a="http://schemas.openxmlformats.org/drawingml/2006/main" xmlns:r="http://schemas.openxmlformats.org/officeDocument/2006/relationships" xmlns:p="http://schemas.openxmlformats.org/presentationml/2006/main">
+  <p:cSld>
+    <p:bg>
+      <p:bgPr>
+        <a:solidFill>
+          <a:schemeClr val="bg1"/>
+        </a:solidFill>
+        <a:effectLst/>
+      </p:bgPr>
+    </p:bg>
+    <p:spTree>
+      <p:nvGrpSpPr>
+        <p:cNvPr id="1" name=""/>
+        <p:cNvGrpSpPr/>
+        <p:nvPr/>
+      </p:nvGrpSpPr>
+      <p:grpSpPr>
+        <a:xfrm>
+          <a:off x="0" y="0"/>
+          <a:ext cx="0" cy="0"/>
+          <a:chOff x="0" y="0"/>
+          <a:chExt cx="0" cy="0"/>
+        </a:xfrm>
+      </p:grpSpPr>
+      <p:sp>
+        <p:nvSpPr>
+          <p:cNvPr id="25" name="Rectangle 24">
+            <a:extLst>
+              <a:ext uri="{FF2B5EF4-FFF2-40B4-BE49-F238E27FC236}">
+                <a16:creationId xmlns:a16="http://schemas.microsoft.com/office/drawing/2014/main" id="{42A5316D-ED2F-4F89-B4B4-8D9240B1A348}"/>
+              </a:ext>
+              <a:ext uri="{C183D7F6-B498-43B3-948B-1728B52AA6E4}">
+                <adec:decorative xmlns:adec="http://schemas.microsoft.com/office/drawing/2017/decorative" val="1"/>
+              </a:ext>
+            </a:extLst>
+          </p:cNvPr>
+          <p:cNvSpPr>
+            <a:spLocks noGrp="1" noRot="1" noChangeAspect="1" noMove="1" noResize="1" noEditPoints="1" noAdjustHandles="1" noChangeArrowheads="1" noChangeShapeType="1" noTextEdit="1"/>
+          </p:cNvSpPr>
+          <p:nvPr>
+            <p:extLst>
+              <p:ext uri="{386F3935-93C4-4BCD-93E2-E3B085C9AB24}">
+                <p16:designElem xmlns:p16="http://schemas.microsoft.com/office/powerpoint/2015/main" val="1"/>
+              </p:ext>
+            </p:extLst>
+          </p:nvPr>
+        </p:nvSpPr>
+        <p:spPr>
+          <a:xfrm>
+            <a:off x="0" y="0"/>
+            <a:ext cx="2013557" cy="6858000"/>
+          </a:xfrm>
+          <a:prstGeom prst="rect">
+            <a:avLst/>
+          </a:prstGeom>
           <a:solidFill>
-            <a:schemeClr val="bg1"/>
+            <a:srgbClr val="4D4D38"/>
           </a:solidFill>
           <a:ln>
             <a:noFill/>
@@ -4032,8 +5086,37 @@
           <a:bodyPr rtlCol="0" anchor="ctr"/>
           <a:lstStyle/>
           <a:p>
-            <a:pPr algn="ctr"/>
-            <a:endParaRPr lang="en-US" dirty="0"/>
+            <a:pPr marL="0" marR="0" lvl="0" indent="0" algn="ctr" defTabSz="914400" rtl="0" eaLnBrk="1" fontAlgn="auto" latinLnBrk="0" hangingPunct="1">
+              <a:lnSpc>
+                <a:spcPct val="100000"/>
+              </a:lnSpc>
+              <a:spcBef>
+                <a:spcPts val="0"/>
+              </a:spcBef>
+              <a:spcAft>
+                <a:spcPts val="0"/>
+              </a:spcAft>
+              <a:buClrTx/>
+              <a:buSzTx/>
+              <a:buFontTx/>
+              <a:buNone/>
+              <a:tabLst/>
+              <a:defRPr/>
+            </a:pPr>
+            <a:endParaRPr kumimoji="0" lang="en-US" sz="1800" b="0" i="0" u="none" strike="noStrike" kern="1200" cap="none" spc="0" normalizeH="0" baseline="0" noProof="0">
+              <a:ln>
+                <a:noFill/>
+              </a:ln>
+              <a:solidFill>
+                <a:prstClr val="white"/>
+              </a:solidFill>
+              <a:effectLst/>
+              <a:uLnTx/>
+              <a:uFillTx/>
+              <a:latin typeface="Calibri" panose="020F0502020204030204"/>
+              <a:ea typeface="+mn-ea"/>
+              <a:cs typeface="+mn-cs"/>
+            </a:endParaRPr>
           </a:p>
         </p:txBody>
       </p:sp>
@@ -4042,7 +5125,7 @@
           <p:cNvPr id="2" name="Title 1">
             <a:extLst>
               <a:ext uri="{FF2B5EF4-FFF2-40B4-BE49-F238E27FC236}">
-                <a16:creationId xmlns:a16="http://schemas.microsoft.com/office/drawing/2014/main" id="{F6D6A272-D1C9-5776-821B-64406E34E5C5}"/>
+                <a16:creationId xmlns:a16="http://schemas.microsoft.com/office/drawing/2014/main" id="{5508F0D6-AE4B-1E39-72E5-AC5D04B05561}"/>
               </a:ext>
             </a:extLst>
           </p:cNvPr>
@@ -4055,9 +5138,20 @@
         </p:nvSpPr>
         <p:spPr>
           <a:xfrm>
-            <a:off x="643467" y="321734"/>
-            <a:ext cx="10905066" cy="1135737"/>
+            <a:off x="694510" y="1487272"/>
+            <a:ext cx="2743200" cy="2743200"/>
           </a:xfrm>
+          <a:prstGeom prst="ellipse">
+            <a:avLst/>
+          </a:prstGeom>
+          <a:solidFill>
+            <a:srgbClr val="262626"/>
+          </a:solidFill>
+          <a:ln w="174625" cmpd="thinThick">
+            <a:solidFill>
+              <a:srgbClr val="262626"/>
+            </a:solidFill>
+          </a:ln>
         </p:spPr>
         <p:txBody>
           <a:bodyPr>
@@ -4065,243 +5159,24 @@
           </a:bodyPr>
           <a:lstStyle/>
           <a:p>
-            <a:r>
-              <a:rPr lang="en-US" sz="3600"/>
-              <a:t>MATLAB read_matrices function</a:t>
-            </a:r>
-          </a:p>
-        </p:txBody>
-      </p:sp>
-      <p:sp>
-        <p:nvSpPr>
-          <p:cNvPr id="9" name="Content Placeholder 8">
-            <a:extLst>
-              <a:ext uri="{FF2B5EF4-FFF2-40B4-BE49-F238E27FC236}">
-                <a16:creationId xmlns:a16="http://schemas.microsoft.com/office/drawing/2014/main" id="{FAD1686A-B5FC-378E-CBDA-CB88B9B0B4BA}"/>
-              </a:ext>
-            </a:extLst>
-          </p:cNvPr>
-          <p:cNvSpPr>
-            <a:spLocks noGrp="1"/>
-          </p:cNvSpPr>
-          <p:nvPr>
-            <p:ph idx="1"/>
-          </p:nvPr>
-        </p:nvSpPr>
-        <p:spPr>
-          <a:xfrm>
-            <a:off x="643469" y="1782981"/>
-            <a:ext cx="4008384" cy="4393982"/>
-          </a:xfrm>
-        </p:spPr>
-        <p:txBody>
-          <a:bodyPr>
-            <a:normAutofit fontScale="85000" lnSpcReduction="10000"/>
-          </a:bodyPr>
-          <a:lstStyle/>
-          <a:p>
-            <a:r>
-              <a:rPr lang="en-US" sz="2000" dirty="0"/>
-              <a:t>This function would read in the datasets which were formatted as a folder containing every jpg.</a:t>
-            </a:r>
-          </a:p>
-          <a:p>
-            <a:r>
-              <a:rPr lang="en-US" sz="2000" dirty="0"/>
-              <a:t>Once read into their variables it would find the length used in the for-loop.</a:t>
-            </a:r>
-          </a:p>
-          <a:p>
-            <a:r>
-              <a:rPr lang="en-US" sz="2000" dirty="0"/>
-              <a:t>In the for-loop it took the images and converted them into row vectors after first turning them into a 64x64x1 matrix.</a:t>
-            </a:r>
-          </a:p>
-          <a:p>
-            <a:r>
-              <a:rPr lang="en-US" sz="2000" dirty="0"/>
-              <a:t>Since the row vectors were all the same length due to the sizes of the images being the same it then read them into the fruits output row vector matrix with each row being a separate image seen as a vector.</a:t>
-            </a:r>
-          </a:p>
-          <a:p>
-            <a:r>
-              <a:rPr lang="en-US" sz="2000" dirty="0"/>
-              <a:t>This image shows the function including only the banana calculations, this same cycle was repeated for apples and oranges in the </a:t>
-            </a:r>
-            <a:r>
-              <a:rPr lang="en-US" sz="2000"/>
-              <a:t>same function</a:t>
-            </a:r>
-            <a:endParaRPr lang="en-US" sz="2000" dirty="0"/>
-          </a:p>
-        </p:txBody>
-      </p:sp>
-      <p:grpSp>
-        <p:nvGrpSpPr>
-          <p:cNvPr id="14" name="Group 13">
-            <a:extLst>
-              <a:ext uri="{FF2B5EF4-FFF2-40B4-BE49-F238E27FC236}">
-                <a16:creationId xmlns:a16="http://schemas.microsoft.com/office/drawing/2014/main" id="{828A5161-06F1-46CF-8AD7-844680A59E13}"/>
-              </a:ext>
-              <a:ext uri="{C183D7F6-B498-43B3-948B-1728B52AA6E4}">
-                <adec:decorative xmlns:adec="http://schemas.microsoft.com/office/drawing/2017/decorative" val="1"/>
-              </a:ext>
-            </a:extLst>
-          </p:cNvPr>
-          <p:cNvGrpSpPr>
-            <a:grpSpLocks noGrp="1" noUngrp="1" noRot="1" noChangeAspect="1" noMove="1" noResize="1"/>
-          </p:cNvGrpSpPr>
-          <p:nvPr>
-            <p:extLst>
-              <p:ext uri="{386F3935-93C4-4BCD-93E2-E3B085C9AB24}">
-                <p16:designElem xmlns:p16="http://schemas.microsoft.com/office/powerpoint/2015/main" val="1"/>
-              </p:ext>
-            </p:extLst>
-          </p:nvPr>
-        </p:nvGrpSpPr>
-        <p:grpSpPr>
-          <a:xfrm>
-            <a:off x="0" y="4601497"/>
-            <a:ext cx="1014060" cy="2017580"/>
-            <a:chOff x="0" y="4601497"/>
-            <a:chExt cx="1014060" cy="2017580"/>
-          </a:xfrm>
-        </p:grpSpPr>
-        <p:sp>
-          <p:nvSpPr>
-            <p:cNvPr id="15" name="Isosceles Triangle 14">
-              <a:extLst>
-                <a:ext uri="{FF2B5EF4-FFF2-40B4-BE49-F238E27FC236}">
-                  <a16:creationId xmlns:a16="http://schemas.microsoft.com/office/drawing/2014/main" id="{D3F51FEB-38FB-4F6C-9F7B-2F2AFAB65463}"/>
-                </a:ext>
-                <a:ext uri="{C183D7F6-B498-43B3-948B-1728B52AA6E4}">
-                  <adec:decorative xmlns:adec="http://schemas.microsoft.com/office/drawing/2017/decorative" val="1"/>
-                </a:ext>
-              </a:extLst>
-            </p:cNvPr>
-            <p:cNvSpPr/>
-            <p:nvPr>
-              <p:extLst>
-                <p:ext uri="{386F3935-93C4-4BCD-93E2-E3B085C9AB24}">
-                  <p16:designElem xmlns:p16="http://schemas.microsoft.com/office/powerpoint/2015/main" val="1"/>
-                </p:ext>
-              </p:extLst>
-            </p:nvPr>
-          </p:nvSpPr>
-          <p:spPr>
-            <a:xfrm rot="5400000">
-              <a:off x="-501760" y="5103257"/>
-              <a:ext cx="2017580" cy="1014060"/>
-            </a:xfrm>
-            <a:prstGeom prst="triangle">
-              <a:avLst>
-                <a:gd name="adj" fmla="val 50000"/>
-              </a:avLst>
-            </a:prstGeom>
-            <a:solidFill>
-              <a:schemeClr val="accent1">
-                <a:alpha val="30000"/>
-              </a:schemeClr>
-            </a:solidFill>
-            <a:ln>
-              <a:noFill/>
-            </a:ln>
-          </p:spPr>
-          <p:style>
-            <a:lnRef idx="2">
-              <a:schemeClr val="accent1">
-                <a:shade val="50000"/>
-              </a:schemeClr>
-            </a:lnRef>
-            <a:fillRef idx="1">
-              <a:schemeClr val="accent1"/>
-            </a:fillRef>
-            <a:effectRef idx="0">
-              <a:schemeClr val="accent1"/>
-            </a:effectRef>
-            <a:fontRef idx="minor">
-              <a:schemeClr val="lt1"/>
-            </a:fontRef>
-          </p:style>
-          <p:txBody>
-            <a:bodyPr rtlCol="0" anchor="ctr"/>
-            <a:lstStyle/>
-            <a:p>
-              <a:pPr algn="ctr"/>
-              <a:endParaRPr lang="en-US"/>
-            </a:p>
-          </p:txBody>
-        </p:sp>
-        <p:sp>
-          <p:nvSpPr>
-            <p:cNvPr id="16" name="Rectangle 15">
-              <a:extLst>
-                <a:ext uri="{FF2B5EF4-FFF2-40B4-BE49-F238E27FC236}">
-                  <a16:creationId xmlns:a16="http://schemas.microsoft.com/office/drawing/2014/main" id="{1E547BA6-BAE0-43BB-A7CA-60F69CE252F0}"/>
-                </a:ext>
-                <a:ext uri="{C183D7F6-B498-43B3-948B-1728B52AA6E4}">
-                  <adec:decorative xmlns:adec="http://schemas.microsoft.com/office/drawing/2017/decorative" val="1"/>
-                </a:ext>
-              </a:extLst>
-            </p:cNvPr>
-            <p:cNvSpPr/>
-            <p:nvPr>
-              <p:extLst>
-                <p:ext uri="{386F3935-93C4-4BCD-93E2-E3B085C9AB24}">
-                  <p16:designElem xmlns:p16="http://schemas.microsoft.com/office/powerpoint/2015/main" val="1"/>
-                </p:ext>
-              </p:extLst>
-            </p:nvPr>
-          </p:nvSpPr>
-          <p:spPr>
-            <a:xfrm rot="2700000">
-              <a:off x="427916" y="5728708"/>
-              <a:ext cx="485578" cy="485578"/>
-            </a:xfrm>
-            <a:prstGeom prst="rect">
-              <a:avLst/>
-            </a:prstGeom>
-            <a:solidFill>
-              <a:schemeClr val="accent1">
-                <a:alpha val="30000"/>
-              </a:schemeClr>
-            </a:solidFill>
-            <a:ln>
-              <a:noFill/>
-            </a:ln>
-          </p:spPr>
-          <p:style>
-            <a:lnRef idx="2">
-              <a:schemeClr val="accent1">
-                <a:shade val="50000"/>
-              </a:schemeClr>
-            </a:lnRef>
-            <a:fillRef idx="1">
-              <a:schemeClr val="accent1"/>
-            </a:fillRef>
-            <a:effectRef idx="0">
-              <a:schemeClr val="accent1"/>
-            </a:effectRef>
-            <a:fontRef idx="minor">
-              <a:schemeClr val="lt1"/>
-            </a:fontRef>
-          </p:style>
-          <p:txBody>
-            <a:bodyPr rtlCol="0" anchor="ctr"/>
-            <a:lstStyle/>
-            <a:p>
-              <a:pPr algn="ctr"/>
-              <a:endParaRPr lang="en-US"/>
-            </a:p>
-          </p:txBody>
-        </p:sp>
-      </p:grpSp>
+            <a:pPr algn="ctr"/>
+            <a:r>
+              <a:rPr lang="en-US" sz="1600">
+                <a:solidFill>
+                  <a:srgbClr val="FFFFFF"/>
+                </a:solidFill>
+              </a:rPr>
+              <a:t>MATLAB fruit_vector_average function</a:t>
+            </a:r>
+          </a:p>
+        </p:txBody>
+      </p:sp>
       <p:pic>
         <p:nvPicPr>
           <p:cNvPr id="5" name="Content Placeholder 4">
             <a:extLst>
               <a:ext uri="{FF2B5EF4-FFF2-40B4-BE49-F238E27FC236}">
-                <a16:creationId xmlns:a16="http://schemas.microsoft.com/office/drawing/2014/main" id="{0FFB2FFC-DDF2-D111-B9E8-8DE908A3A88D}"/>
+                <a16:creationId xmlns:a16="http://schemas.microsoft.com/office/drawing/2014/main" id="{B52B96D8-F834-E882-62C5-61ECFF701712}"/>
               </a:ext>
             </a:extLst>
           </p:cNvPr>
@@ -4318,251 +5193,46 @@
         </p:blipFill>
         <p:spPr>
           <a:xfrm>
-            <a:off x="5295320" y="1886247"/>
-            <a:ext cx="6253212" cy="4155360"/>
+            <a:off x="4038600" y="1355607"/>
+            <a:ext cx="7188199" cy="3006529"/>
           </a:xfrm>
           <a:prstGeom prst="rect">
             <a:avLst/>
           </a:prstGeom>
         </p:spPr>
       </p:pic>
-      <p:grpSp>
-        <p:nvGrpSpPr>
-          <p:cNvPr id="18" name="Group 17">
-            <a:extLst>
-              <a:ext uri="{FF2B5EF4-FFF2-40B4-BE49-F238E27FC236}">
-                <a16:creationId xmlns:a16="http://schemas.microsoft.com/office/drawing/2014/main" id="{5995D10D-E9C9-47DB-AE7E-801FEF38F5C9}"/>
-              </a:ext>
-              <a:ext uri="{C183D7F6-B498-43B3-948B-1728B52AA6E4}">
-                <adec:decorative xmlns:adec="http://schemas.microsoft.com/office/drawing/2017/decorative" val="1"/>
-              </a:ext>
-            </a:extLst>
-          </p:cNvPr>
-          <p:cNvGrpSpPr>
-            <a:grpSpLocks noGrp="1" noUngrp="1" noRot="1" noChangeAspect="1" noMove="1" noResize="1"/>
-          </p:cNvGrpSpPr>
-          <p:nvPr>
-            <p:extLst>
-              <p:ext uri="{386F3935-93C4-4BCD-93E2-E3B085C9AB24}">
-                <p16:designElem xmlns:p16="http://schemas.microsoft.com/office/powerpoint/2015/main" val="1"/>
-              </p:ext>
-            </p:extLst>
-          </p:nvPr>
-        </p:nvGrpSpPr>
-        <p:grpSpPr>
+      <p:sp>
+        <p:nvSpPr>
+          <p:cNvPr id="9" name="Content Placeholder 8">
+            <a:extLst>
+              <a:ext uri="{FF2B5EF4-FFF2-40B4-BE49-F238E27FC236}">
+                <a16:creationId xmlns:a16="http://schemas.microsoft.com/office/drawing/2014/main" id="{EE0C0435-4A8D-6618-EE49-B397BF124E28}"/>
+              </a:ext>
+            </a:extLst>
+          </p:cNvPr>
+          <p:cNvSpPr>
+            <a:spLocks noGrp="1"/>
+          </p:cNvSpPr>
+          <p:nvPr>
+            <p:ph idx="1"/>
+          </p:nvPr>
+        </p:nvSpPr>
+        <p:spPr>
           <a:xfrm>
-            <a:off x="11219290" y="1"/>
-            <a:ext cx="972709" cy="1935307"/>
-            <a:chOff x="10918968" y="713127"/>
-            <a:chExt cx="1273032" cy="2532832"/>
+            <a:off x="4038600" y="4884873"/>
+            <a:ext cx="7188199" cy="1292090"/>
           </a:xfrm>
-        </p:grpSpPr>
-        <p:sp>
-          <p:nvSpPr>
-            <p:cNvPr id="19" name="Rectangle 18">
-              <a:extLst>
-                <a:ext uri="{FF2B5EF4-FFF2-40B4-BE49-F238E27FC236}">
-                  <a16:creationId xmlns:a16="http://schemas.microsoft.com/office/drawing/2014/main" id="{CC1A72C6-3DE4-4EC3-9AD5-9E0D40D8CE8A}"/>
-                </a:ext>
-                <a:ext uri="{C183D7F6-B498-43B3-948B-1728B52AA6E4}">
-                  <adec:decorative xmlns:adec="http://schemas.microsoft.com/office/drawing/2017/decorative" val="1"/>
-                </a:ext>
-              </a:extLst>
-            </p:cNvPr>
-            <p:cNvSpPr/>
-            <p:nvPr>
-              <p:extLst>
-                <p:ext uri="{386F3935-93C4-4BCD-93E2-E3B085C9AB24}">
-                  <p16:designElem xmlns:p16="http://schemas.microsoft.com/office/powerpoint/2015/main" val="1"/>
-                </p:ext>
-              </p:extLst>
-            </p:nvPr>
-          </p:nvSpPr>
-          <p:spPr>
-            <a:xfrm rot="2700000">
-              <a:off x="11052629" y="2120024"/>
-              <a:ext cx="645368" cy="645368"/>
-            </a:xfrm>
-            <a:prstGeom prst="rect">
-              <a:avLst/>
-            </a:prstGeom>
-            <a:solidFill>
-              <a:schemeClr val="accent4">
-                <a:alpha val="30000"/>
-              </a:schemeClr>
-            </a:solidFill>
-            <a:ln>
-              <a:noFill/>
-            </a:ln>
-          </p:spPr>
-          <p:style>
-            <a:lnRef idx="2">
-              <a:schemeClr val="accent1">
-                <a:shade val="50000"/>
-              </a:schemeClr>
-            </a:lnRef>
-            <a:fillRef idx="1">
-              <a:schemeClr val="accent1"/>
-            </a:fillRef>
-            <a:effectRef idx="0">
-              <a:schemeClr val="accent1"/>
-            </a:effectRef>
-            <a:fontRef idx="minor">
-              <a:schemeClr val="lt1"/>
-            </a:fontRef>
-          </p:style>
-          <p:txBody>
-            <a:bodyPr rtlCol="0" anchor="ctr"/>
-            <a:lstStyle/>
-            <a:p>
-              <a:pPr algn="ctr"/>
-              <a:endParaRPr lang="en-US"/>
-            </a:p>
-          </p:txBody>
-        </p:sp>
-        <p:sp>
-          <p:nvSpPr>
-            <p:cNvPr id="20" name="Isosceles Triangle 19">
-              <a:extLst>
-                <a:ext uri="{FF2B5EF4-FFF2-40B4-BE49-F238E27FC236}">
-                  <a16:creationId xmlns:a16="http://schemas.microsoft.com/office/drawing/2014/main" id="{0B0DA1F1-C391-4EDF-9FE0-23E86E137765}"/>
-                </a:ext>
-                <a:ext uri="{C183D7F6-B498-43B3-948B-1728B52AA6E4}">
-                  <adec:decorative xmlns:adec="http://schemas.microsoft.com/office/drawing/2017/decorative" val="1"/>
-                </a:ext>
-              </a:extLst>
-            </p:cNvPr>
-            <p:cNvSpPr/>
-            <p:nvPr>
-              <p:extLst>
-                <p:ext uri="{386F3935-93C4-4BCD-93E2-E3B085C9AB24}">
-                  <p16:designElem xmlns:p16="http://schemas.microsoft.com/office/powerpoint/2015/main" val="1"/>
-                </p:ext>
-              </p:extLst>
-            </p:nvPr>
-          </p:nvSpPr>
-          <p:spPr>
-            <a:xfrm rot="16200000">
-              <a:off x="10289068" y="1343027"/>
-              <a:ext cx="2532832" cy="1273032"/>
-            </a:xfrm>
-            <a:prstGeom prst="triangle">
-              <a:avLst>
-                <a:gd name="adj" fmla="val 50000"/>
-              </a:avLst>
-            </a:prstGeom>
-            <a:solidFill>
-              <a:schemeClr val="accent4">
-                <a:alpha val="30000"/>
-              </a:schemeClr>
-            </a:solidFill>
-            <a:ln>
-              <a:noFill/>
-            </a:ln>
-          </p:spPr>
-          <p:style>
-            <a:lnRef idx="2">
-              <a:schemeClr val="accent1">
-                <a:shade val="50000"/>
-              </a:schemeClr>
-            </a:lnRef>
-            <a:fillRef idx="1">
-              <a:schemeClr val="accent1"/>
-            </a:fillRef>
-            <a:effectRef idx="0">
-              <a:schemeClr val="accent1"/>
-            </a:effectRef>
-            <a:fontRef idx="minor">
-              <a:schemeClr val="lt1"/>
-            </a:fontRef>
-          </p:style>
-          <p:txBody>
-            <a:bodyPr rtlCol="0" anchor="ctr"/>
-            <a:lstStyle/>
-            <a:p>
-              <a:pPr algn="ctr"/>
-              <a:endParaRPr lang="en-US" dirty="0"/>
-            </a:p>
-          </p:txBody>
-        </p:sp>
-      </p:grpSp>
-    </p:spTree>
-    <p:extLst>
-      <p:ext uri="{BB962C8B-B14F-4D97-AF65-F5344CB8AC3E}">
-        <p14:creationId xmlns:p14="http://schemas.microsoft.com/office/powerpoint/2010/main" val="4222161867"/>
-      </p:ext>
-    </p:extLst>
-  </p:cSld>
-  <p:clrMapOvr>
-    <a:masterClrMapping/>
-  </p:clrMapOvr>
-</p:sld>
-</file>
-
-<file path=ppt/slides/slide4.xml><?xml version="1.0" encoding="utf-8"?>
-<p:sld xmlns:a="http://schemas.openxmlformats.org/drawingml/2006/main" xmlns:r="http://schemas.openxmlformats.org/officeDocument/2006/relationships" xmlns:p="http://schemas.openxmlformats.org/presentationml/2006/main">
-  <p:cSld>
-    <p:spTree>
-      <p:nvGrpSpPr>
-        <p:cNvPr id="1" name=""/>
-        <p:cNvGrpSpPr/>
-        <p:nvPr/>
-      </p:nvGrpSpPr>
-      <p:grpSpPr>
-        <a:xfrm>
-          <a:off x="0" y="0"/>
-          <a:ext cx="0" cy="0"/>
-          <a:chOff x="0" y="0"/>
-          <a:chExt cx="0" cy="0"/>
-        </a:xfrm>
-      </p:grpSpPr>
-      <p:sp>
-        <p:nvSpPr>
-          <p:cNvPr id="2" name="Title 1">
-            <a:extLst>
-              <a:ext uri="{FF2B5EF4-FFF2-40B4-BE49-F238E27FC236}">
-                <a16:creationId xmlns:a16="http://schemas.microsoft.com/office/drawing/2014/main" id="{5508F0D6-AE4B-1E39-72E5-AC5D04B05561}"/>
-              </a:ext>
-            </a:extLst>
-          </p:cNvPr>
-          <p:cNvSpPr>
-            <a:spLocks noGrp="1"/>
-          </p:cNvSpPr>
-          <p:nvPr>
-            <p:ph type="title"/>
-          </p:nvPr>
-        </p:nvSpPr>
-        <p:spPr/>
-        <p:txBody>
-          <a:bodyPr/>
-          <a:lstStyle/>
-          <a:p>
-            <a:endParaRPr lang="en-US"/>
-          </a:p>
-        </p:txBody>
-      </p:sp>
-      <p:sp>
-        <p:nvSpPr>
-          <p:cNvPr id="3" name="Content Placeholder 2">
-            <a:extLst>
-              <a:ext uri="{FF2B5EF4-FFF2-40B4-BE49-F238E27FC236}">
-                <a16:creationId xmlns:a16="http://schemas.microsoft.com/office/drawing/2014/main" id="{637CC362-5CC5-BDCF-3D5F-1B09AD6F225D}"/>
-              </a:ext>
-            </a:extLst>
-          </p:cNvPr>
-          <p:cNvSpPr>
-            <a:spLocks noGrp="1"/>
-          </p:cNvSpPr>
-          <p:nvPr>
-            <p:ph idx="1"/>
-          </p:nvPr>
-        </p:nvSpPr>
-        <p:spPr/>
-        <p:txBody>
-          <a:bodyPr/>
-          <a:lstStyle/>
-          <a:p>
-            <a:endParaRPr lang="en-US"/>
+        </p:spPr>
+        <p:txBody>
+          <a:bodyPr>
+            <a:normAutofit/>
+          </a:bodyPr>
+          <a:lstStyle/>
+          <a:p>
+            <a:r>
+              <a:rPr lang="en-US" sz="1800" dirty="0"/>
+              <a:t>This function took in the matrices created from the previous function and then found the sum of each column and finally output the sum divided by the number of rows to find the average for each vector of the pixels for each image.</a:t>
+            </a:r>
           </a:p>
         </p:txBody>
       </p:sp>
@@ -4617,7 +5287,10 @@
           <a:bodyPr/>
           <a:lstStyle/>
           <a:p>
-            <a:endParaRPr lang="en-US"/>
+            <a:r>
+              <a:rPr lang="en-US" dirty="0"/>
+              <a:t>Java </a:t>
+            </a:r>
           </a:p>
         </p:txBody>
       </p:sp>
@@ -4642,7 +5315,24 @@
           <a:bodyPr/>
           <a:lstStyle/>
           <a:p>
-            <a:endParaRPr lang="en-US"/>
+            <a:r>
+              <a:rPr lang="en-US" dirty="0"/>
+              <a:t>The Java portion was used to analyze the image and use image analysis to identify what object was in the picture</a:t>
+            </a:r>
+          </a:p>
+          <a:p>
+            <a:r>
+              <a:rPr lang="en-US" dirty="0"/>
+              <a:t>It contained multiple functions that were called by later code in order to connect the matrices gathered by the </a:t>
+            </a:r>
+            <a:r>
+              <a:rPr lang="en-US" dirty="0" err="1"/>
+              <a:t>Matlab</a:t>
+            </a:r>
+            <a:r>
+              <a:rPr lang="en-US" dirty="0"/>
+              <a:t> code and the image taken by the Android app.</a:t>
+            </a:r>
           </a:p>
         </p:txBody>
       </p:sp>
@@ -4650,6 +5340,548 @@
     <p:extLst>
       <p:ext uri="{BB962C8B-B14F-4D97-AF65-F5344CB8AC3E}">
         <p14:creationId xmlns:p14="http://schemas.microsoft.com/office/powerpoint/2010/main" val="2026971278"/>
+      </p:ext>
+    </p:extLst>
+  </p:cSld>
+  <p:clrMapOvr>
+    <a:masterClrMapping/>
+  </p:clrMapOvr>
+</p:sld>
+</file>
+
+<file path=ppt/slides/slide6.xml><?xml version="1.0" encoding="utf-8"?>
+<p:sld xmlns:a="http://schemas.openxmlformats.org/drawingml/2006/main" xmlns:r="http://schemas.openxmlformats.org/officeDocument/2006/relationships" xmlns:p="http://schemas.openxmlformats.org/presentationml/2006/main">
+  <p:cSld>
+    <p:spTree>
+      <p:nvGrpSpPr>
+        <p:cNvPr id="1" name=""/>
+        <p:cNvGrpSpPr/>
+        <p:nvPr/>
+      </p:nvGrpSpPr>
+      <p:grpSpPr>
+        <a:xfrm>
+          <a:off x="0" y="0"/>
+          <a:ext cx="0" cy="0"/>
+          <a:chOff x="0" y="0"/>
+          <a:chExt cx="0" cy="0"/>
+        </a:xfrm>
+      </p:grpSpPr>
+      <p:pic>
+        <p:nvPicPr>
+          <p:cNvPr id="5" name="Picture 4">
+            <a:extLst>
+              <a:ext uri="{FF2B5EF4-FFF2-40B4-BE49-F238E27FC236}">
+                <a16:creationId xmlns:a16="http://schemas.microsoft.com/office/drawing/2014/main" id="{94C63EC0-4D95-5D59-9E28-638E2C044480}"/>
+              </a:ext>
+            </a:extLst>
+          </p:cNvPr>
+          <p:cNvPicPr>
+            <a:picLocks noChangeAspect="1"/>
+          </p:cNvPicPr>
+          <p:nvPr/>
+        </p:nvPicPr>
+        <p:blipFill>
+          <a:blip r:embed="rId2"/>
+          <a:stretch>
+            <a:fillRect/>
+          </a:stretch>
+        </p:blipFill>
+        <p:spPr>
+          <a:xfrm>
+            <a:off x="6549680" y="0"/>
+            <a:ext cx="4934639" cy="6706536"/>
+          </a:xfrm>
+          <a:prstGeom prst="rect">
+            <a:avLst/>
+          </a:prstGeom>
+        </p:spPr>
+      </p:pic>
+      <p:sp>
+        <p:nvSpPr>
+          <p:cNvPr id="6" name="TextBox 5">
+            <a:extLst>
+              <a:ext uri="{FF2B5EF4-FFF2-40B4-BE49-F238E27FC236}">
+                <a16:creationId xmlns:a16="http://schemas.microsoft.com/office/drawing/2014/main" id="{66D2143B-5601-E0DA-91EC-2AA55791CD9E}"/>
+              </a:ext>
+            </a:extLst>
+          </p:cNvPr>
+          <p:cNvSpPr txBox="1"/>
+          <p:nvPr/>
+        </p:nvSpPr>
+        <p:spPr>
+          <a:xfrm>
+            <a:off x="585762" y="2336800"/>
+            <a:ext cx="5307038" cy="1200329"/>
+          </a:xfrm>
+          <a:prstGeom prst="rect">
+            <a:avLst/>
+          </a:prstGeom>
+          <a:noFill/>
+        </p:spPr>
+        <p:txBody>
+          <a:bodyPr wrap="square" rtlCol="0">
+            <a:spAutoFit/>
+          </a:bodyPr>
+          <a:lstStyle/>
+          <a:p>
+            <a:r>
+              <a:rPr lang="en-US" dirty="0"/>
+              <a:t>This function in Java takes in a matrix that represents an image and turns it to grayscale. It averages the RGB values and converts that to a grayscale value. This makes analyzing the images more accurate.</a:t>
+            </a:r>
+          </a:p>
+        </p:txBody>
+      </p:sp>
+    </p:spTree>
+    <p:extLst>
+      <p:ext uri="{BB962C8B-B14F-4D97-AF65-F5344CB8AC3E}">
+        <p14:creationId xmlns:p14="http://schemas.microsoft.com/office/powerpoint/2010/main" val="1819220698"/>
+      </p:ext>
+    </p:extLst>
+  </p:cSld>
+  <p:clrMapOvr>
+    <a:masterClrMapping/>
+  </p:clrMapOvr>
+</p:sld>
+</file>
+
+<file path=ppt/slides/slide7.xml><?xml version="1.0" encoding="utf-8"?>
+<p:sld xmlns:a="http://schemas.openxmlformats.org/drawingml/2006/main" xmlns:r="http://schemas.openxmlformats.org/officeDocument/2006/relationships" xmlns:p="http://schemas.openxmlformats.org/presentationml/2006/main">
+  <p:cSld>
+    <p:spTree>
+      <p:nvGrpSpPr>
+        <p:cNvPr id="1" name=""/>
+        <p:cNvGrpSpPr/>
+        <p:nvPr/>
+      </p:nvGrpSpPr>
+      <p:grpSpPr>
+        <a:xfrm>
+          <a:off x="0" y="0"/>
+          <a:ext cx="0" cy="0"/>
+          <a:chOff x="0" y="0"/>
+          <a:chExt cx="0" cy="0"/>
+        </a:xfrm>
+      </p:grpSpPr>
+      <p:pic>
+        <p:nvPicPr>
+          <p:cNvPr id="5" name="Content Placeholder 4">
+            <a:extLst>
+              <a:ext uri="{FF2B5EF4-FFF2-40B4-BE49-F238E27FC236}">
+                <a16:creationId xmlns:a16="http://schemas.microsoft.com/office/drawing/2014/main" id="{B9927DD3-7F06-E5C7-C3D1-0945BB530BB9}"/>
+              </a:ext>
+            </a:extLst>
+          </p:cNvPr>
+          <p:cNvPicPr>
+            <a:picLocks noGrp="1" noChangeAspect="1"/>
+          </p:cNvPicPr>
+          <p:nvPr>
+            <p:ph idx="1"/>
+          </p:nvPr>
+        </p:nvPicPr>
+        <p:blipFill>
+          <a:blip r:embed="rId2"/>
+          <a:stretch>
+            <a:fillRect/>
+          </a:stretch>
+        </p:blipFill>
+        <p:spPr>
+          <a:xfrm>
+            <a:off x="8221408" y="0"/>
+            <a:ext cx="3648584" cy="4258269"/>
+          </a:xfrm>
+        </p:spPr>
+      </p:pic>
+      <p:pic>
+        <p:nvPicPr>
+          <p:cNvPr id="7" name="Picture 6">
+            <a:extLst>
+              <a:ext uri="{FF2B5EF4-FFF2-40B4-BE49-F238E27FC236}">
+                <a16:creationId xmlns:a16="http://schemas.microsoft.com/office/drawing/2014/main" id="{EA72AF98-2241-7CB6-0EAE-381565E17C79}"/>
+              </a:ext>
+            </a:extLst>
+          </p:cNvPr>
+          <p:cNvPicPr>
+            <a:picLocks noChangeAspect="1"/>
+          </p:cNvPicPr>
+          <p:nvPr/>
+        </p:nvPicPr>
+        <p:blipFill>
+          <a:blip r:embed="rId3"/>
+          <a:stretch>
+            <a:fillRect/>
+          </a:stretch>
+        </p:blipFill>
+        <p:spPr>
+          <a:xfrm>
+            <a:off x="5134877" y="3678029"/>
+            <a:ext cx="3086531" cy="2981741"/>
+          </a:xfrm>
+          <a:prstGeom prst="rect">
+            <a:avLst/>
+          </a:prstGeom>
+        </p:spPr>
+      </p:pic>
+      <p:sp>
+        <p:nvSpPr>
+          <p:cNvPr id="8" name="TextBox 7">
+            <a:extLst>
+              <a:ext uri="{FF2B5EF4-FFF2-40B4-BE49-F238E27FC236}">
+                <a16:creationId xmlns:a16="http://schemas.microsoft.com/office/drawing/2014/main" id="{9C0C591E-C61E-D9ED-B1B9-C53AAFBFFA2F}"/>
+              </a:ext>
+            </a:extLst>
+          </p:cNvPr>
+          <p:cNvSpPr txBox="1"/>
+          <p:nvPr/>
+        </p:nvSpPr>
+        <p:spPr>
+          <a:xfrm flipH="1">
+            <a:off x="604519" y="1425645"/>
+            <a:ext cx="5135881" cy="1754326"/>
+          </a:xfrm>
+          <a:prstGeom prst="rect">
+            <a:avLst/>
+          </a:prstGeom>
+          <a:noFill/>
+        </p:spPr>
+        <p:txBody>
+          <a:bodyPr wrap="square" rtlCol="0">
+            <a:spAutoFit/>
+          </a:bodyPr>
+          <a:lstStyle/>
+          <a:p>
+            <a:r>
+              <a:rPr lang="en-US" dirty="0"/>
+              <a:t>This Java code combines with Kotlin takes the distances between the grayed matrices to see which image matrix of fruits the taken image is closest to in order to identify the object in frame. This would return an int based on the decision that the code comes to.</a:t>
+            </a:r>
+          </a:p>
+        </p:txBody>
+      </p:sp>
+    </p:spTree>
+    <p:extLst>
+      <p:ext uri="{BB962C8B-B14F-4D97-AF65-F5344CB8AC3E}">
+        <p14:creationId xmlns:p14="http://schemas.microsoft.com/office/powerpoint/2010/main" val="4130998236"/>
+      </p:ext>
+    </p:extLst>
+  </p:cSld>
+  <p:clrMapOvr>
+    <a:masterClrMapping/>
+  </p:clrMapOvr>
+</p:sld>
+</file>
+
+<file path=ppt/slides/slide8.xml><?xml version="1.0" encoding="utf-8"?>
+<p:sld xmlns:a="http://schemas.openxmlformats.org/drawingml/2006/main" xmlns:r="http://schemas.openxmlformats.org/officeDocument/2006/relationships" xmlns:p="http://schemas.openxmlformats.org/presentationml/2006/main">
+  <p:cSld>
+    <p:spTree>
+      <p:nvGrpSpPr>
+        <p:cNvPr id="1" name=""/>
+        <p:cNvGrpSpPr/>
+        <p:nvPr/>
+      </p:nvGrpSpPr>
+      <p:grpSpPr>
+        <a:xfrm>
+          <a:off x="0" y="0"/>
+          <a:ext cx="0" cy="0"/>
+          <a:chOff x="0" y="0"/>
+          <a:chExt cx="0" cy="0"/>
+        </a:xfrm>
+      </p:grpSpPr>
+      <p:sp>
+        <p:nvSpPr>
+          <p:cNvPr id="2" name="Title 1">
+            <a:extLst>
+              <a:ext uri="{FF2B5EF4-FFF2-40B4-BE49-F238E27FC236}">
+                <a16:creationId xmlns:a16="http://schemas.microsoft.com/office/drawing/2014/main" id="{186A5566-BE51-B0F5-A527-A5673A0F9B42}"/>
+              </a:ext>
+            </a:extLst>
+          </p:cNvPr>
+          <p:cNvSpPr>
+            <a:spLocks noGrp="1"/>
+          </p:cNvSpPr>
+          <p:nvPr>
+            <p:ph type="title"/>
+          </p:nvPr>
+        </p:nvSpPr>
+        <p:spPr/>
+        <p:txBody>
+          <a:bodyPr/>
+          <a:lstStyle/>
+          <a:p>
+            <a:r>
+              <a:rPr lang="en-US" dirty="0"/>
+              <a:t>Kotlin</a:t>
+            </a:r>
+          </a:p>
+        </p:txBody>
+      </p:sp>
+      <p:sp>
+        <p:nvSpPr>
+          <p:cNvPr id="4" name="Text Placeholder 3">
+            <a:extLst>
+              <a:ext uri="{FF2B5EF4-FFF2-40B4-BE49-F238E27FC236}">
+                <a16:creationId xmlns:a16="http://schemas.microsoft.com/office/drawing/2014/main" id="{4E1FBBD1-F4DD-3D13-C25F-8462ED25FBC9}"/>
+              </a:ext>
+            </a:extLst>
+          </p:cNvPr>
+          <p:cNvSpPr>
+            <a:spLocks noGrp="1"/>
+          </p:cNvSpPr>
+          <p:nvPr>
+            <p:ph type="body" sz="half" idx="2"/>
+          </p:nvPr>
+        </p:nvSpPr>
+        <p:spPr/>
+        <p:txBody>
+          <a:bodyPr/>
+          <a:lstStyle/>
+          <a:p>
+            <a:r>
+              <a:rPr lang="en-US" dirty="0"/>
+              <a:t>The Kotlin portion of the project was based on the applications of the Camera2 Library in order to create instances of different camera functions which contained both Java and Kotlin Code</a:t>
+            </a:r>
+          </a:p>
+          <a:p>
+            <a:endParaRPr lang="en-US" dirty="0"/>
+          </a:p>
+          <a:p>
+            <a:r>
+              <a:rPr lang="en-US" dirty="0"/>
+              <a:t>Focusing on the </a:t>
+            </a:r>
+            <a:r>
+              <a:rPr lang="en-US" dirty="0" err="1"/>
+              <a:t>Kotilin</a:t>
+            </a:r>
+            <a:r>
+              <a:rPr lang="en-US" dirty="0"/>
+              <a:t> Code, the majority of the processes are due to the active usage of builders  and providers which are very useful for complex data structures (builders create the data structures and providers access them)</a:t>
+            </a:r>
+          </a:p>
+        </p:txBody>
+      </p:sp>
+      <p:pic>
+        <p:nvPicPr>
+          <p:cNvPr id="7" name="Picture 6">
+            <a:extLst>
+              <a:ext uri="{FF2B5EF4-FFF2-40B4-BE49-F238E27FC236}">
+                <a16:creationId xmlns:a16="http://schemas.microsoft.com/office/drawing/2014/main" id="{6758826B-F5C4-B483-0EA4-AAB7BD62CCB9}"/>
+              </a:ext>
+            </a:extLst>
+          </p:cNvPr>
+          <p:cNvPicPr>
+            <a:picLocks noChangeAspect="1"/>
+          </p:cNvPicPr>
+          <p:nvPr/>
+        </p:nvPicPr>
+        <p:blipFill>
+          <a:blip r:embed="rId2"/>
+          <a:stretch>
+            <a:fillRect/>
+          </a:stretch>
+        </p:blipFill>
+        <p:spPr>
+          <a:xfrm>
+            <a:off x="4772025" y="948972"/>
+            <a:ext cx="4002852" cy="4960055"/>
+          </a:xfrm>
+          <a:prstGeom prst="rect">
+            <a:avLst/>
+          </a:prstGeom>
+        </p:spPr>
+      </p:pic>
+      <p:sp>
+        <p:nvSpPr>
+          <p:cNvPr id="8" name="TextBox 7">
+            <a:extLst>
+              <a:ext uri="{FF2B5EF4-FFF2-40B4-BE49-F238E27FC236}">
+                <a16:creationId xmlns:a16="http://schemas.microsoft.com/office/drawing/2014/main" id="{2C34B6A3-C9F4-9A5F-7C67-C6A2E35025B1}"/>
+              </a:ext>
+            </a:extLst>
+          </p:cNvPr>
+          <p:cNvSpPr txBox="1"/>
+          <p:nvPr/>
+        </p:nvSpPr>
+        <p:spPr>
+          <a:xfrm>
+            <a:off x="9245600" y="1148862"/>
+            <a:ext cx="2836985" cy="369332"/>
+          </a:xfrm>
+          <a:prstGeom prst="rect">
+            <a:avLst/>
+          </a:prstGeom>
+          <a:noFill/>
+        </p:spPr>
+        <p:txBody>
+          <a:bodyPr wrap="square" rtlCol="0">
+            <a:spAutoFit/>
+          </a:bodyPr>
+          <a:lstStyle/>
+          <a:p>
+            <a:r>
+              <a:rPr lang="en-US" dirty="0"/>
+              <a:t> </a:t>
+            </a:r>
+          </a:p>
+        </p:txBody>
+      </p:sp>
+      <p:pic>
+        <p:nvPicPr>
+          <p:cNvPr id="10" name="Picture 9">
+            <a:extLst>
+              <a:ext uri="{FF2B5EF4-FFF2-40B4-BE49-F238E27FC236}">
+                <a16:creationId xmlns:a16="http://schemas.microsoft.com/office/drawing/2014/main" id="{0E798611-CD9A-5BF0-3DD8-F966EE8005A8}"/>
+              </a:ext>
+            </a:extLst>
+          </p:cNvPr>
+          <p:cNvPicPr>
+            <a:picLocks noChangeAspect="1"/>
+          </p:cNvPicPr>
+          <p:nvPr/>
+        </p:nvPicPr>
+        <p:blipFill>
+          <a:blip r:embed="rId3"/>
+          <a:stretch>
+            <a:fillRect/>
+          </a:stretch>
+        </p:blipFill>
+        <p:spPr>
+          <a:xfrm>
+            <a:off x="8535833" y="1844271"/>
+            <a:ext cx="3393732" cy="2579236"/>
+          </a:xfrm>
+          <a:prstGeom prst="rect">
+            <a:avLst/>
+          </a:prstGeom>
+        </p:spPr>
+      </p:pic>
+    </p:spTree>
+    <p:extLst>
+      <p:ext uri="{BB962C8B-B14F-4D97-AF65-F5344CB8AC3E}">
+        <p14:creationId xmlns:p14="http://schemas.microsoft.com/office/powerpoint/2010/main" val="2553970907"/>
+      </p:ext>
+    </p:extLst>
+  </p:cSld>
+  <p:clrMapOvr>
+    <a:masterClrMapping/>
+  </p:clrMapOvr>
+</p:sld>
+</file>
+
+<file path=ppt/slides/slide9.xml><?xml version="1.0" encoding="utf-8"?>
+<p:sld xmlns:a="http://schemas.openxmlformats.org/drawingml/2006/main" xmlns:r="http://schemas.openxmlformats.org/officeDocument/2006/relationships" xmlns:p="http://schemas.openxmlformats.org/presentationml/2006/main">
+  <p:cSld>
+    <p:spTree>
+      <p:nvGrpSpPr>
+        <p:cNvPr id="1" name=""/>
+        <p:cNvGrpSpPr/>
+        <p:nvPr/>
+      </p:nvGrpSpPr>
+      <p:grpSpPr>
+        <a:xfrm>
+          <a:off x="0" y="0"/>
+          <a:ext cx="0" cy="0"/>
+          <a:chOff x="0" y="0"/>
+          <a:chExt cx="0" cy="0"/>
+        </a:xfrm>
+      </p:grpSpPr>
+      <p:sp>
+        <p:nvSpPr>
+          <p:cNvPr id="2" name="Title 1">
+            <a:extLst>
+              <a:ext uri="{FF2B5EF4-FFF2-40B4-BE49-F238E27FC236}">
+                <a16:creationId xmlns:a16="http://schemas.microsoft.com/office/drawing/2014/main" id="{9D6CA682-F55E-C6D0-DDDF-9236037AA116}"/>
+              </a:ext>
+            </a:extLst>
+          </p:cNvPr>
+          <p:cNvSpPr>
+            <a:spLocks noGrp="1"/>
+          </p:cNvSpPr>
+          <p:nvPr>
+            <p:ph type="title"/>
+          </p:nvPr>
+        </p:nvSpPr>
+        <p:spPr/>
+        <p:txBody>
+          <a:bodyPr/>
+          <a:lstStyle/>
+          <a:p>
+            <a:r>
+              <a:rPr lang="en-US" dirty="0"/>
+              <a:t>XML</a:t>
+            </a:r>
+          </a:p>
+        </p:txBody>
+      </p:sp>
+      <p:sp>
+        <p:nvSpPr>
+          <p:cNvPr id="4" name="Text Placeholder 3">
+            <a:extLst>
+              <a:ext uri="{FF2B5EF4-FFF2-40B4-BE49-F238E27FC236}">
+                <a16:creationId xmlns:a16="http://schemas.microsoft.com/office/drawing/2014/main" id="{82DCA47F-BC86-5132-595D-DE00C76A9129}"/>
+              </a:ext>
+            </a:extLst>
+          </p:cNvPr>
+          <p:cNvSpPr>
+            <a:spLocks noGrp="1"/>
+          </p:cNvSpPr>
+          <p:nvPr>
+            <p:ph type="body" sz="half" idx="2"/>
+          </p:nvPr>
+        </p:nvSpPr>
+        <p:spPr/>
+        <p:txBody>
+          <a:bodyPr/>
+          <a:lstStyle/>
+          <a:p>
+            <a:r>
+              <a:rPr lang="en-US" dirty="0"/>
+              <a:t>XML Is used for formatting the app in the main layout file as well as setting some predefined constants such as the color and theme. </a:t>
+            </a:r>
+          </a:p>
+          <a:p>
+            <a:endParaRPr lang="en-US" dirty="0"/>
+          </a:p>
+          <a:p>
+            <a:r>
+              <a:rPr lang="en-US" dirty="0"/>
+              <a:t>This is the camera API and the xml file working in tandem in order create the two main aspects of the application. The first the preview which is made to match the screen size of the phone as well as the button which is set to a specific size and is located based on the screen size.</a:t>
+            </a:r>
+          </a:p>
+        </p:txBody>
+      </p:sp>
+      <p:pic>
+        <p:nvPicPr>
+          <p:cNvPr id="7" name="Picture 6">
+            <a:extLst>
+              <a:ext uri="{FF2B5EF4-FFF2-40B4-BE49-F238E27FC236}">
+                <a16:creationId xmlns:a16="http://schemas.microsoft.com/office/drawing/2014/main" id="{6764F7C5-949F-DC42-0311-4A07D2257237}"/>
+              </a:ext>
+            </a:extLst>
+          </p:cNvPr>
+          <p:cNvPicPr>
+            <a:picLocks noChangeAspect="1"/>
+          </p:cNvPicPr>
+          <p:nvPr/>
+        </p:nvPicPr>
+        <p:blipFill>
+          <a:blip r:embed="rId2"/>
+          <a:stretch>
+            <a:fillRect/>
+          </a:stretch>
+        </p:blipFill>
+        <p:spPr>
+          <a:xfrm>
+            <a:off x="6735165" y="599680"/>
+            <a:ext cx="4972744" cy="5658640"/>
+          </a:xfrm>
+          <a:prstGeom prst="rect">
+            <a:avLst/>
+          </a:prstGeom>
+        </p:spPr>
+      </p:pic>
+    </p:spTree>
+    <p:extLst>
+      <p:ext uri="{BB962C8B-B14F-4D97-AF65-F5344CB8AC3E}">
+        <p14:creationId xmlns:p14="http://schemas.microsoft.com/office/powerpoint/2010/main" val="1748400136"/>
       </p:ext>
     </p:extLst>
   </p:cSld>

--- a/ProjectArchitecture.pptx
+++ b/ProjectArchitecture.pptx
@@ -112,6 +112,11 @@
       </a:defRPr>
     </a:lvl9pPr>
   </p:defaultTextStyle>
+  <p:extLst>
+    <p:ext uri="{EFAFB233-063F-42B5-8137-9DF3F51BA10A}">
+      <p15:sldGuideLst xmlns:p15="http://schemas.microsoft.com/office/powerpoint/2012/main"/>
+    </p:ext>
+  </p:extLst>
 </p:presentation>
 </file>
 
